--- a/symposium/2019/talks/ppt/2019_geosemantics_symposium_intro.pptx
+++ b/symposium/2019/talks/ppt/2019_geosemantics_symposium_intro.pptx
@@ -5,7 +5,7 @@
     <p:sldMasterId id="2147483648" r:id="rId1"/>
   </p:sldMasterIdLst>
   <p:notesMasterIdLst>
-    <p:notesMasterId r:id="rId11"/>
+    <p:notesMasterId r:id="rId12"/>
   </p:notesMasterIdLst>
   <p:sldIdLst>
     <p:sldId id="256" r:id="rId2"/>
@@ -13,10 +13,11 @@
     <p:sldId id="257" r:id="rId4"/>
     <p:sldId id="258" r:id="rId5"/>
     <p:sldId id="259" r:id="rId6"/>
-    <p:sldId id="260" r:id="rId7"/>
-    <p:sldId id="265" r:id="rId8"/>
-    <p:sldId id="261" r:id="rId9"/>
-    <p:sldId id="263" r:id="rId10"/>
+    <p:sldId id="266" r:id="rId7"/>
+    <p:sldId id="260" r:id="rId8"/>
+    <p:sldId id="267" r:id="rId9"/>
+    <p:sldId id="261" r:id="rId10"/>
+    <p:sldId id="263" r:id="rId11"/>
   </p:sldIdLst>
   <p:sldSz cx="9144000" cy="6858000" type="screen4x3"/>
   <p:notesSz cx="6858000" cy="9144000"/>
@@ -118,12 +119,12 @@
   <p:extLst>
     <p:ext uri="{EFAFB233-063F-42B5-8137-9DF3F51BA10A}">
       <p15:sldGuideLst xmlns:p15="http://schemas.microsoft.com/office/powerpoint/2012/main">
-        <p15:guide id="1" orient="horz" pos="2160">
+        <p15:guide id="1" orient="horz" pos="2160" userDrawn="1">
           <p15:clr>
             <a:srgbClr val="A4A3A4"/>
           </p15:clr>
         </p15:guide>
-        <p15:guide id="2" pos="2880">
+        <p15:guide id="2" pos="2880" userDrawn="1">
           <p15:clr>
             <a:srgbClr val="A4A3A4"/>
           </p15:clr>
@@ -216,7 +217,7 @@
           <a:p>
             <a:fld id="{11C821A0-7082-0C41-972B-D8E2315FCB5E}" type="datetimeFigureOut">
               <a:rPr lang="en-US" smtClean="0"/>
-              <a:t>10/17/18</a:t>
+              <a:t>7/15/19</a:t>
             </a:fld>
             <a:endParaRPr lang="en-US"/>
           </a:p>
@@ -510,7 +511,12 @@
             <p:ph type="sldImg"/>
           </p:nvPr>
         </p:nvSpPr>
-        <p:spPr/>
+        <p:spPr>
+          <a:xfrm>
+            <a:off x="1143000" y="685800"/>
+            <a:ext cx="4572000" cy="3429000"/>
+          </a:xfrm>
+        </p:spPr>
       </p:sp>
       <p:sp>
         <p:nvSpPr>
@@ -594,7 +600,12 @@
             <p:ph type="sldImg"/>
           </p:nvPr>
         </p:nvSpPr>
-        <p:spPr/>
+        <p:spPr>
+          <a:xfrm>
+            <a:off x="1143000" y="685800"/>
+            <a:ext cx="4572000" cy="3429000"/>
+          </a:xfrm>
+        </p:spPr>
       </p:sp>
       <p:sp>
         <p:nvSpPr>
@@ -680,7 +691,7 @@
         </p:nvSpPr>
         <p:spPr>
           <a:xfrm>
-            <a:off x="685800" y="2130425"/>
+            <a:off x="685800" y="2130426"/>
             <a:ext cx="7772400" cy="1470025"/>
           </a:xfrm>
         </p:spPr>
@@ -724,7 +735,7 @@
                 </a:solidFill>
               </a:defRPr>
             </a:lvl1pPr>
-            <a:lvl2pPr marL="457200" indent="0" algn="ctr">
+            <a:lvl2pPr marL="457189" indent="0" algn="ctr">
               <a:buNone/>
               <a:defRPr>
                 <a:solidFill>
@@ -734,7 +745,7 @@
                 </a:solidFill>
               </a:defRPr>
             </a:lvl2pPr>
-            <a:lvl3pPr marL="914400" indent="0" algn="ctr">
+            <a:lvl3pPr marL="914378" indent="0" algn="ctr">
               <a:buNone/>
               <a:defRPr>
                 <a:solidFill>
@@ -744,7 +755,7 @@
                 </a:solidFill>
               </a:defRPr>
             </a:lvl3pPr>
-            <a:lvl4pPr marL="1371600" indent="0" algn="ctr">
+            <a:lvl4pPr marL="1371566" indent="0" algn="ctr">
               <a:buNone/>
               <a:defRPr>
                 <a:solidFill>
@@ -754,7 +765,7 @@
                 </a:solidFill>
               </a:defRPr>
             </a:lvl4pPr>
-            <a:lvl5pPr marL="1828800" indent="0" algn="ctr">
+            <a:lvl5pPr marL="1828754" indent="0" algn="ctr">
               <a:buNone/>
               <a:defRPr>
                 <a:solidFill>
@@ -764,7 +775,7 @@
                 </a:solidFill>
               </a:defRPr>
             </a:lvl5pPr>
-            <a:lvl6pPr marL="2286000" indent="0" algn="ctr">
+            <a:lvl6pPr marL="2285943" indent="0" algn="ctr">
               <a:buNone/>
               <a:defRPr>
                 <a:solidFill>
@@ -774,7 +785,7 @@
                 </a:solidFill>
               </a:defRPr>
             </a:lvl6pPr>
-            <a:lvl7pPr marL="2743200" indent="0" algn="ctr">
+            <a:lvl7pPr marL="2743132" indent="0" algn="ctr">
               <a:buNone/>
               <a:defRPr>
                 <a:solidFill>
@@ -784,7 +795,7 @@
                 </a:solidFill>
               </a:defRPr>
             </a:lvl7pPr>
-            <a:lvl8pPr marL="3200400" indent="0" algn="ctr">
+            <a:lvl8pPr marL="3200320" indent="0" algn="ctr">
               <a:buNone/>
               <a:defRPr>
                 <a:solidFill>
@@ -794,7 +805,7 @@
                 </a:solidFill>
               </a:defRPr>
             </a:lvl8pPr>
-            <a:lvl9pPr marL="3657600" indent="0" algn="ctr">
+            <a:lvl9pPr marL="3657509" indent="0" algn="ctr">
               <a:buNone/>
               <a:defRPr>
                 <a:solidFill>
@@ -830,7 +841,7 @@
           <a:p>
             <a:fld id="{236C728A-C828-2244-A3AD-8EE61670AFCF}" type="datetimeFigureOut">
               <a:rPr lang="en-US" smtClean="0"/>
-              <a:t>10/17/18</a:t>
+              <a:t>7/15/19</a:t>
             </a:fld>
             <a:endParaRPr lang="en-US"/>
           </a:p>
@@ -998,7 +1009,7 @@
           <a:p>
             <a:fld id="{236C728A-C828-2244-A3AD-8EE61670AFCF}" type="datetimeFigureOut">
               <a:rPr lang="en-US" smtClean="0"/>
-              <a:t>10/17/18</a:t>
+              <a:t>7/15/19</a:t>
             </a:fld>
             <a:endParaRPr lang="en-US"/>
           </a:p>
@@ -1088,7 +1099,7 @@
         </p:nvSpPr>
         <p:spPr>
           <a:xfrm>
-            <a:off x="6629400" y="274638"/>
+            <a:off x="6629400" y="274639"/>
             <a:ext cx="2057400" cy="5851525"/>
           </a:xfrm>
         </p:spPr>
@@ -1115,7 +1126,7 @@
         </p:nvSpPr>
         <p:spPr>
           <a:xfrm>
-            <a:off x="457200" y="274638"/>
+            <a:off x="457200" y="274639"/>
             <a:ext cx="6019800" cy="5851525"/>
           </a:xfrm>
         </p:spPr>
@@ -1176,7 +1187,7 @@
           <a:p>
             <a:fld id="{236C728A-C828-2244-A3AD-8EE61670AFCF}" type="datetimeFigureOut">
               <a:rPr lang="en-US" smtClean="0"/>
-              <a:t>10/17/18</a:t>
+              <a:t>7/15/19</a:t>
             </a:fld>
             <a:endParaRPr lang="en-US"/>
           </a:p>
@@ -1344,7 +1355,7 @@
           <a:p>
             <a:fld id="{236C728A-C828-2244-A3AD-8EE61670AFCF}" type="datetimeFigureOut">
               <a:rPr lang="en-US" smtClean="0"/>
-              <a:t>10/17/18</a:t>
+              <a:t>7/15/19</a:t>
             </a:fld>
             <a:endParaRPr lang="en-US"/>
           </a:p>
@@ -1465,7 +1476,7 @@
         </p:nvSpPr>
         <p:spPr>
           <a:xfrm>
-            <a:off x="722313" y="2906713"/>
+            <a:off x="722313" y="2906714"/>
             <a:ext cx="7772400" cy="1500187"/>
           </a:xfrm>
         </p:spPr>
@@ -1482,7 +1493,7 @@
                 </a:solidFill>
               </a:defRPr>
             </a:lvl1pPr>
-            <a:lvl2pPr marL="457200" indent="0">
+            <a:lvl2pPr marL="457189" indent="0">
               <a:buNone/>
               <a:defRPr sz="1800">
                 <a:solidFill>
@@ -1492,7 +1503,7 @@
                 </a:solidFill>
               </a:defRPr>
             </a:lvl2pPr>
-            <a:lvl3pPr marL="914400" indent="0">
+            <a:lvl3pPr marL="914378" indent="0">
               <a:buNone/>
               <a:defRPr sz="1600">
                 <a:solidFill>
@@ -1502,7 +1513,7 @@
                 </a:solidFill>
               </a:defRPr>
             </a:lvl3pPr>
-            <a:lvl4pPr marL="1371600" indent="0">
+            <a:lvl4pPr marL="1371566" indent="0">
               <a:buNone/>
               <a:defRPr sz="1400">
                 <a:solidFill>
@@ -1512,7 +1523,7 @@
                 </a:solidFill>
               </a:defRPr>
             </a:lvl4pPr>
-            <a:lvl5pPr marL="1828800" indent="0">
+            <a:lvl5pPr marL="1828754" indent="0">
               <a:buNone/>
               <a:defRPr sz="1400">
                 <a:solidFill>
@@ -1522,7 +1533,7 @@
                 </a:solidFill>
               </a:defRPr>
             </a:lvl5pPr>
-            <a:lvl6pPr marL="2286000" indent="0">
+            <a:lvl6pPr marL="2285943" indent="0">
               <a:buNone/>
               <a:defRPr sz="1400">
                 <a:solidFill>
@@ -1532,7 +1543,7 @@
                 </a:solidFill>
               </a:defRPr>
             </a:lvl6pPr>
-            <a:lvl7pPr marL="2743200" indent="0">
+            <a:lvl7pPr marL="2743132" indent="0">
               <a:buNone/>
               <a:defRPr sz="1400">
                 <a:solidFill>
@@ -1542,7 +1553,7 @@
                 </a:solidFill>
               </a:defRPr>
             </a:lvl7pPr>
-            <a:lvl8pPr marL="3200400" indent="0">
+            <a:lvl8pPr marL="3200320" indent="0">
               <a:buNone/>
               <a:defRPr sz="1400">
                 <a:solidFill>
@@ -1552,7 +1563,7 @@
                 </a:solidFill>
               </a:defRPr>
             </a:lvl8pPr>
-            <a:lvl9pPr marL="3657600" indent="0">
+            <a:lvl9pPr marL="3657509" indent="0">
               <a:buNone/>
               <a:defRPr sz="1400">
                 <a:solidFill>
@@ -1589,7 +1600,7 @@
           <a:p>
             <a:fld id="{236C728A-C828-2244-A3AD-8EE61670AFCF}" type="datetimeFigureOut">
               <a:rPr lang="en-US" smtClean="0"/>
-              <a:t>10/17/18</a:t>
+              <a:t>7/15/19</a:t>
             </a:fld>
             <a:endParaRPr lang="en-US"/>
           </a:p>
@@ -1701,7 +1712,7 @@
         </p:nvSpPr>
         <p:spPr>
           <a:xfrm>
-            <a:off x="457200" y="1600200"/>
+            <a:off x="457200" y="1600201"/>
             <a:ext cx="4038600" cy="4525963"/>
           </a:xfrm>
         </p:spPr>
@@ -1785,7 +1796,7 @@
         </p:nvSpPr>
         <p:spPr>
           <a:xfrm>
-            <a:off x="4648200" y="1600200"/>
+            <a:off x="4648200" y="1600201"/>
             <a:ext cx="4038600" cy="4525963"/>
           </a:xfrm>
         </p:spPr>
@@ -1874,7 +1885,7 @@
           <a:p>
             <a:fld id="{236C728A-C828-2244-A3AD-8EE61670AFCF}" type="datetimeFigureOut">
               <a:rPr lang="en-US" smtClean="0"/>
-              <a:t>10/17/18</a:t>
+              <a:t>7/15/19</a:t>
             </a:fld>
             <a:endParaRPr lang="en-US"/>
           </a:p>
@@ -1990,7 +2001,7 @@
         </p:nvSpPr>
         <p:spPr>
           <a:xfrm>
-            <a:off x="457200" y="1535113"/>
+            <a:off x="457201" y="1535113"/>
             <a:ext cx="4040188" cy="639762"/>
           </a:xfrm>
         </p:spPr>
@@ -2001,35 +2012,35 @@
               <a:buNone/>
               <a:defRPr sz="2400" b="1"/>
             </a:lvl1pPr>
-            <a:lvl2pPr marL="457200" indent="0">
+            <a:lvl2pPr marL="457189" indent="0">
               <a:buNone/>
               <a:defRPr sz="2000" b="1"/>
             </a:lvl2pPr>
-            <a:lvl3pPr marL="914400" indent="0">
+            <a:lvl3pPr marL="914378" indent="0">
               <a:buNone/>
               <a:defRPr sz="1800" b="1"/>
             </a:lvl3pPr>
-            <a:lvl4pPr marL="1371600" indent="0">
+            <a:lvl4pPr marL="1371566" indent="0">
               <a:buNone/>
               <a:defRPr sz="1600" b="1"/>
             </a:lvl4pPr>
-            <a:lvl5pPr marL="1828800" indent="0">
+            <a:lvl5pPr marL="1828754" indent="0">
               <a:buNone/>
               <a:defRPr sz="1600" b="1"/>
             </a:lvl5pPr>
-            <a:lvl6pPr marL="2286000" indent="0">
+            <a:lvl6pPr marL="2285943" indent="0">
               <a:buNone/>
               <a:defRPr sz="1600" b="1"/>
             </a:lvl6pPr>
-            <a:lvl7pPr marL="2743200" indent="0">
+            <a:lvl7pPr marL="2743132" indent="0">
               <a:buNone/>
               <a:defRPr sz="1600" b="1"/>
             </a:lvl7pPr>
-            <a:lvl8pPr marL="3200400" indent="0">
+            <a:lvl8pPr marL="3200320" indent="0">
               <a:buNone/>
               <a:defRPr sz="1600" b="1"/>
             </a:lvl8pPr>
-            <a:lvl9pPr marL="3657600" indent="0">
+            <a:lvl9pPr marL="3657509" indent="0">
               <a:buNone/>
               <a:defRPr sz="1600" b="1"/>
             </a:lvl9pPr>
@@ -2055,7 +2066,7 @@
         </p:nvSpPr>
         <p:spPr>
           <a:xfrm>
-            <a:off x="457200" y="2174875"/>
+            <a:off x="457201" y="2174875"/>
             <a:ext cx="4040188" cy="3951288"/>
           </a:xfrm>
         </p:spPr>
@@ -2139,7 +2150,7 @@
         </p:nvSpPr>
         <p:spPr>
           <a:xfrm>
-            <a:off x="4645025" y="1535113"/>
+            <a:off x="4645026" y="1535113"/>
             <a:ext cx="4041775" cy="639762"/>
           </a:xfrm>
         </p:spPr>
@@ -2150,35 +2161,35 @@
               <a:buNone/>
               <a:defRPr sz="2400" b="1"/>
             </a:lvl1pPr>
-            <a:lvl2pPr marL="457200" indent="0">
+            <a:lvl2pPr marL="457189" indent="0">
               <a:buNone/>
               <a:defRPr sz="2000" b="1"/>
             </a:lvl2pPr>
-            <a:lvl3pPr marL="914400" indent="0">
+            <a:lvl3pPr marL="914378" indent="0">
               <a:buNone/>
               <a:defRPr sz="1800" b="1"/>
             </a:lvl3pPr>
-            <a:lvl4pPr marL="1371600" indent="0">
+            <a:lvl4pPr marL="1371566" indent="0">
               <a:buNone/>
               <a:defRPr sz="1600" b="1"/>
             </a:lvl4pPr>
-            <a:lvl5pPr marL="1828800" indent="0">
+            <a:lvl5pPr marL="1828754" indent="0">
               <a:buNone/>
               <a:defRPr sz="1600" b="1"/>
             </a:lvl5pPr>
-            <a:lvl6pPr marL="2286000" indent="0">
+            <a:lvl6pPr marL="2285943" indent="0">
               <a:buNone/>
               <a:defRPr sz="1600" b="1"/>
             </a:lvl6pPr>
-            <a:lvl7pPr marL="2743200" indent="0">
+            <a:lvl7pPr marL="2743132" indent="0">
               <a:buNone/>
               <a:defRPr sz="1600" b="1"/>
             </a:lvl7pPr>
-            <a:lvl8pPr marL="3200400" indent="0">
+            <a:lvl8pPr marL="3200320" indent="0">
               <a:buNone/>
               <a:defRPr sz="1600" b="1"/>
             </a:lvl8pPr>
-            <a:lvl9pPr marL="3657600" indent="0">
+            <a:lvl9pPr marL="3657509" indent="0">
               <a:buNone/>
               <a:defRPr sz="1600" b="1"/>
             </a:lvl9pPr>
@@ -2204,7 +2215,7 @@
         </p:nvSpPr>
         <p:spPr>
           <a:xfrm>
-            <a:off x="4645025" y="2174875"/>
+            <a:off x="4645026" y="2174875"/>
             <a:ext cx="4041775" cy="3951288"/>
           </a:xfrm>
         </p:spPr>
@@ -2293,7 +2304,7 @@
           <a:p>
             <a:fld id="{236C728A-C828-2244-A3AD-8EE61670AFCF}" type="datetimeFigureOut">
               <a:rPr lang="en-US" smtClean="0"/>
-              <a:t>10/17/18</a:t>
+              <a:t>7/15/19</a:t>
             </a:fld>
             <a:endParaRPr lang="en-US"/>
           </a:p>
@@ -2410,7 +2421,7 @@
           <a:p>
             <a:fld id="{236C728A-C828-2244-A3AD-8EE61670AFCF}" type="datetimeFigureOut">
               <a:rPr lang="en-US" smtClean="0"/>
-              <a:t>10/17/18</a:t>
+              <a:t>7/15/19</a:t>
             </a:fld>
             <a:endParaRPr lang="en-US"/>
           </a:p>
@@ -2505,7 +2516,7 @@
           <a:p>
             <a:fld id="{236C728A-C828-2244-A3AD-8EE61670AFCF}" type="datetimeFigureOut">
               <a:rPr lang="en-US" smtClean="0"/>
-              <a:t>10/17/18</a:t>
+              <a:t>7/15/19</a:t>
             </a:fld>
             <a:endParaRPr lang="en-US"/>
           </a:p>
@@ -2595,7 +2606,7 @@
         </p:nvSpPr>
         <p:spPr>
           <a:xfrm>
-            <a:off x="457200" y="273050"/>
+            <a:off x="457201" y="273050"/>
             <a:ext cx="3008313" cy="1162050"/>
           </a:xfrm>
         </p:spPr>
@@ -2626,8 +2637,8 @@
         </p:nvSpPr>
         <p:spPr>
           <a:xfrm>
-            <a:off x="3575050" y="273050"/>
-            <a:ext cx="5111750" cy="5853113"/>
+            <a:off x="3575050" y="273051"/>
+            <a:ext cx="5111751" cy="5853113"/>
           </a:xfrm>
         </p:spPr>
         <p:txBody>
@@ -2710,7 +2721,7 @@
         </p:nvSpPr>
         <p:spPr>
           <a:xfrm>
-            <a:off x="457200" y="1435100"/>
+            <a:off x="457201" y="1435101"/>
             <a:ext cx="3008313" cy="4691063"/>
           </a:xfrm>
         </p:spPr>
@@ -2721,35 +2732,35 @@
               <a:buNone/>
               <a:defRPr sz="1400"/>
             </a:lvl1pPr>
-            <a:lvl2pPr marL="457200" indent="0">
+            <a:lvl2pPr marL="457189" indent="0">
               <a:buNone/>
               <a:defRPr sz="1200"/>
             </a:lvl2pPr>
-            <a:lvl3pPr marL="914400" indent="0">
+            <a:lvl3pPr marL="914378" indent="0">
               <a:buNone/>
               <a:defRPr sz="1000"/>
             </a:lvl3pPr>
-            <a:lvl4pPr marL="1371600" indent="0">
+            <a:lvl4pPr marL="1371566" indent="0">
               <a:buNone/>
               <a:defRPr sz="900"/>
             </a:lvl4pPr>
-            <a:lvl5pPr marL="1828800" indent="0">
+            <a:lvl5pPr marL="1828754" indent="0">
               <a:buNone/>
               <a:defRPr sz="900"/>
             </a:lvl5pPr>
-            <a:lvl6pPr marL="2286000" indent="0">
+            <a:lvl6pPr marL="2285943" indent="0">
               <a:buNone/>
               <a:defRPr sz="900"/>
             </a:lvl6pPr>
-            <a:lvl7pPr marL="2743200" indent="0">
+            <a:lvl7pPr marL="2743132" indent="0">
               <a:buNone/>
               <a:defRPr sz="900"/>
             </a:lvl7pPr>
-            <a:lvl8pPr marL="3200400" indent="0">
+            <a:lvl8pPr marL="3200320" indent="0">
               <a:buNone/>
               <a:defRPr sz="900"/>
             </a:lvl8pPr>
-            <a:lvl9pPr marL="3657600" indent="0">
+            <a:lvl9pPr marL="3657509" indent="0">
               <a:buNone/>
               <a:defRPr sz="900"/>
             </a:lvl9pPr>
@@ -2780,7 +2791,7 @@
           <a:p>
             <a:fld id="{236C728A-C828-2244-A3AD-8EE61670AFCF}" type="datetimeFigureOut">
               <a:rPr lang="en-US" smtClean="0"/>
-              <a:t>10/17/18</a:t>
+              <a:t>7/15/19</a:t>
             </a:fld>
             <a:endParaRPr lang="en-US"/>
           </a:p>
@@ -2870,7 +2881,7 @@
         </p:nvSpPr>
         <p:spPr>
           <a:xfrm>
-            <a:off x="1792288" y="4800600"/>
+            <a:off x="1792288" y="4800601"/>
             <a:ext cx="5486400" cy="566738"/>
           </a:xfrm>
         </p:spPr>
@@ -2912,35 +2923,35 @@
               <a:buNone/>
               <a:defRPr sz="3200"/>
             </a:lvl1pPr>
-            <a:lvl2pPr marL="457200" indent="0">
+            <a:lvl2pPr marL="457189" indent="0">
               <a:buNone/>
               <a:defRPr sz="2800"/>
             </a:lvl2pPr>
-            <a:lvl3pPr marL="914400" indent="0">
+            <a:lvl3pPr marL="914378" indent="0">
               <a:buNone/>
               <a:defRPr sz="2400"/>
             </a:lvl3pPr>
-            <a:lvl4pPr marL="1371600" indent="0">
+            <a:lvl4pPr marL="1371566" indent="0">
               <a:buNone/>
               <a:defRPr sz="2000"/>
             </a:lvl4pPr>
-            <a:lvl5pPr marL="1828800" indent="0">
+            <a:lvl5pPr marL="1828754" indent="0">
               <a:buNone/>
               <a:defRPr sz="2000"/>
             </a:lvl5pPr>
-            <a:lvl6pPr marL="2286000" indent="0">
+            <a:lvl6pPr marL="2285943" indent="0">
               <a:buNone/>
               <a:defRPr sz="2000"/>
             </a:lvl6pPr>
-            <a:lvl7pPr marL="2743200" indent="0">
+            <a:lvl7pPr marL="2743132" indent="0">
               <a:buNone/>
               <a:defRPr sz="2000"/>
             </a:lvl7pPr>
-            <a:lvl8pPr marL="3200400" indent="0">
+            <a:lvl8pPr marL="3200320" indent="0">
               <a:buNone/>
               <a:defRPr sz="2000"/>
             </a:lvl8pPr>
-            <a:lvl9pPr marL="3657600" indent="0">
+            <a:lvl9pPr marL="3657509" indent="0">
               <a:buNone/>
               <a:defRPr sz="2000"/>
             </a:lvl9pPr>
@@ -2962,7 +2973,7 @@
         </p:nvSpPr>
         <p:spPr>
           <a:xfrm>
-            <a:off x="1792288" y="5367338"/>
+            <a:off x="1792288" y="5367339"/>
             <a:ext cx="5486400" cy="804862"/>
           </a:xfrm>
         </p:spPr>
@@ -2973,35 +2984,35 @@
               <a:buNone/>
               <a:defRPr sz="1400"/>
             </a:lvl1pPr>
-            <a:lvl2pPr marL="457200" indent="0">
+            <a:lvl2pPr marL="457189" indent="0">
               <a:buNone/>
               <a:defRPr sz="1200"/>
             </a:lvl2pPr>
-            <a:lvl3pPr marL="914400" indent="0">
+            <a:lvl3pPr marL="914378" indent="0">
               <a:buNone/>
               <a:defRPr sz="1000"/>
             </a:lvl3pPr>
-            <a:lvl4pPr marL="1371600" indent="0">
+            <a:lvl4pPr marL="1371566" indent="0">
               <a:buNone/>
               <a:defRPr sz="900"/>
             </a:lvl4pPr>
-            <a:lvl5pPr marL="1828800" indent="0">
+            <a:lvl5pPr marL="1828754" indent="0">
               <a:buNone/>
               <a:defRPr sz="900"/>
             </a:lvl5pPr>
-            <a:lvl6pPr marL="2286000" indent="0">
+            <a:lvl6pPr marL="2285943" indent="0">
               <a:buNone/>
               <a:defRPr sz="900"/>
             </a:lvl6pPr>
-            <a:lvl7pPr marL="2743200" indent="0">
+            <a:lvl7pPr marL="2743132" indent="0">
               <a:buNone/>
               <a:defRPr sz="900"/>
             </a:lvl7pPr>
-            <a:lvl8pPr marL="3200400" indent="0">
+            <a:lvl8pPr marL="3200320" indent="0">
               <a:buNone/>
               <a:defRPr sz="900"/>
             </a:lvl8pPr>
-            <a:lvl9pPr marL="3657600" indent="0">
+            <a:lvl9pPr marL="3657509" indent="0">
               <a:buNone/>
               <a:defRPr sz="900"/>
             </a:lvl9pPr>
@@ -3032,7 +3043,7 @@
           <a:p>
             <a:fld id="{236C728A-C828-2244-A3AD-8EE61670AFCF}" type="datetimeFigureOut">
               <a:rPr lang="en-US" smtClean="0"/>
-              <a:t>10/17/18</a:t>
+              <a:t>7/15/19</a:t>
             </a:fld>
             <a:endParaRPr lang="en-US"/>
           </a:p>
@@ -3159,7 +3170,7 @@
         </p:nvSpPr>
         <p:spPr>
           <a:xfrm>
-            <a:off x="457200" y="1600200"/>
+            <a:off x="457200" y="1600201"/>
             <a:ext cx="8229600" cy="4525963"/>
           </a:xfrm>
           <a:prstGeom prst="rect">
@@ -3220,7 +3231,7 @@
         </p:nvSpPr>
         <p:spPr>
           <a:xfrm>
-            <a:off x="457200" y="6356350"/>
+            <a:off x="457200" y="6356351"/>
             <a:ext cx="2133600" cy="365125"/>
           </a:xfrm>
           <a:prstGeom prst="rect">
@@ -3243,7 +3254,7 @@
           <a:p>
             <a:fld id="{236C728A-C828-2244-A3AD-8EE61670AFCF}" type="datetimeFigureOut">
               <a:rPr lang="en-US" smtClean="0"/>
-              <a:t>10/17/18</a:t>
+              <a:t>7/15/19</a:t>
             </a:fld>
             <a:endParaRPr lang="en-US"/>
           </a:p>
@@ -3261,7 +3272,7 @@
         </p:nvSpPr>
         <p:spPr>
           <a:xfrm>
-            <a:off x="3124200" y="6356350"/>
+            <a:off x="3124200" y="6356351"/>
             <a:ext cx="2895600" cy="365125"/>
           </a:xfrm>
           <a:prstGeom prst="rect">
@@ -3298,7 +3309,7 @@
         </p:nvSpPr>
         <p:spPr>
           <a:xfrm>
-            <a:off x="6553200" y="6356350"/>
+            <a:off x="6553200" y="6356351"/>
             <a:ext cx="2133600" cy="365125"/>
           </a:xfrm>
           <a:prstGeom prst="rect">
@@ -3350,7 +3361,7 @@
   </p:sldLayoutIdLst>
   <p:txStyles>
     <p:titleStyle>
-      <a:lvl1pPr algn="ctr" defTabSz="457200" rtl="0" eaLnBrk="1" latinLnBrk="0" hangingPunct="1">
+      <a:lvl1pPr algn="ctr" defTabSz="457189" rtl="0" eaLnBrk="1" latinLnBrk="0" hangingPunct="1">
         <a:spcBef>
           <a:spcPct val="0"/>
         </a:spcBef>
@@ -3366,7 +3377,7 @@
       </a:lvl1pPr>
     </p:titleStyle>
     <p:bodyStyle>
-      <a:lvl1pPr marL="342900" indent="-342900" algn="l" defTabSz="457200" rtl="0" eaLnBrk="1" latinLnBrk="0" hangingPunct="1">
+      <a:lvl1pPr marL="342892" indent="-342892" algn="l" defTabSz="457189" rtl="0" eaLnBrk="1" latinLnBrk="0" hangingPunct="1">
         <a:spcBef>
           <a:spcPct val="20000"/>
         </a:spcBef>
@@ -3381,7 +3392,7 @@
           <a:cs typeface="+mn-cs"/>
         </a:defRPr>
       </a:lvl1pPr>
-      <a:lvl2pPr marL="742950" indent="-285750" algn="l" defTabSz="457200" rtl="0" eaLnBrk="1" latinLnBrk="0" hangingPunct="1">
+      <a:lvl2pPr marL="742931" indent="-285743" algn="l" defTabSz="457189" rtl="0" eaLnBrk="1" latinLnBrk="0" hangingPunct="1">
         <a:spcBef>
           <a:spcPct val="20000"/>
         </a:spcBef>
@@ -3396,7 +3407,7 @@
           <a:cs typeface="+mn-cs"/>
         </a:defRPr>
       </a:lvl2pPr>
-      <a:lvl3pPr marL="1143000" indent="-228600" algn="l" defTabSz="457200" rtl="0" eaLnBrk="1" latinLnBrk="0" hangingPunct="1">
+      <a:lvl3pPr marL="1142972" indent="-228594" algn="l" defTabSz="457189" rtl="0" eaLnBrk="1" latinLnBrk="0" hangingPunct="1">
         <a:spcBef>
           <a:spcPct val="20000"/>
         </a:spcBef>
@@ -3411,7 +3422,7 @@
           <a:cs typeface="+mn-cs"/>
         </a:defRPr>
       </a:lvl3pPr>
-      <a:lvl4pPr marL="1600200" indent="-228600" algn="l" defTabSz="457200" rtl="0" eaLnBrk="1" latinLnBrk="0" hangingPunct="1">
+      <a:lvl4pPr marL="1600160" indent="-228594" algn="l" defTabSz="457189" rtl="0" eaLnBrk="1" latinLnBrk="0" hangingPunct="1">
         <a:spcBef>
           <a:spcPct val="20000"/>
         </a:spcBef>
@@ -3426,7 +3437,7 @@
           <a:cs typeface="+mn-cs"/>
         </a:defRPr>
       </a:lvl4pPr>
-      <a:lvl5pPr marL="2057400" indent="-228600" algn="l" defTabSz="457200" rtl="0" eaLnBrk="1" latinLnBrk="0" hangingPunct="1">
+      <a:lvl5pPr marL="2057348" indent="-228594" algn="l" defTabSz="457189" rtl="0" eaLnBrk="1" latinLnBrk="0" hangingPunct="1">
         <a:spcBef>
           <a:spcPct val="20000"/>
         </a:spcBef>
@@ -3441,7 +3452,7 @@
           <a:cs typeface="+mn-cs"/>
         </a:defRPr>
       </a:lvl5pPr>
-      <a:lvl6pPr marL="2514600" indent="-228600" algn="l" defTabSz="457200" rtl="0" eaLnBrk="1" latinLnBrk="0" hangingPunct="1">
+      <a:lvl6pPr marL="2514537" indent="-228594" algn="l" defTabSz="457189" rtl="0" eaLnBrk="1" latinLnBrk="0" hangingPunct="1">
         <a:spcBef>
           <a:spcPct val="20000"/>
         </a:spcBef>
@@ -3456,7 +3467,7 @@
           <a:cs typeface="+mn-cs"/>
         </a:defRPr>
       </a:lvl6pPr>
-      <a:lvl7pPr marL="2971800" indent="-228600" algn="l" defTabSz="457200" rtl="0" eaLnBrk="1" latinLnBrk="0" hangingPunct="1">
+      <a:lvl7pPr marL="2971726" indent="-228594" algn="l" defTabSz="457189" rtl="0" eaLnBrk="1" latinLnBrk="0" hangingPunct="1">
         <a:spcBef>
           <a:spcPct val="20000"/>
         </a:spcBef>
@@ -3471,7 +3482,7 @@
           <a:cs typeface="+mn-cs"/>
         </a:defRPr>
       </a:lvl7pPr>
-      <a:lvl8pPr marL="3429000" indent="-228600" algn="l" defTabSz="457200" rtl="0" eaLnBrk="1" latinLnBrk="0" hangingPunct="1">
+      <a:lvl8pPr marL="3428915" indent="-228594" algn="l" defTabSz="457189" rtl="0" eaLnBrk="1" latinLnBrk="0" hangingPunct="1">
         <a:spcBef>
           <a:spcPct val="20000"/>
         </a:spcBef>
@@ -3486,7 +3497,7 @@
           <a:cs typeface="+mn-cs"/>
         </a:defRPr>
       </a:lvl8pPr>
-      <a:lvl9pPr marL="3886200" indent="-228600" algn="l" defTabSz="457200" rtl="0" eaLnBrk="1" latinLnBrk="0" hangingPunct="1">
+      <a:lvl9pPr marL="3886103" indent="-228594" algn="l" defTabSz="457189" rtl="0" eaLnBrk="1" latinLnBrk="0" hangingPunct="1">
         <a:spcBef>
           <a:spcPct val="20000"/>
         </a:spcBef>
@@ -3506,7 +3517,7 @@
       <a:defPPr>
         <a:defRPr lang="en-US"/>
       </a:defPPr>
-      <a:lvl1pPr marL="0" algn="l" defTabSz="457200" rtl="0" eaLnBrk="1" latinLnBrk="0" hangingPunct="1">
+      <a:lvl1pPr marL="0" algn="l" defTabSz="457189" rtl="0" eaLnBrk="1" latinLnBrk="0" hangingPunct="1">
         <a:defRPr sz="1800" kern="1200">
           <a:solidFill>
             <a:schemeClr val="tx1"/>
@@ -3516,7 +3527,7 @@
           <a:cs typeface="+mn-cs"/>
         </a:defRPr>
       </a:lvl1pPr>
-      <a:lvl2pPr marL="457200" algn="l" defTabSz="457200" rtl="0" eaLnBrk="1" latinLnBrk="0" hangingPunct="1">
+      <a:lvl2pPr marL="457189" algn="l" defTabSz="457189" rtl="0" eaLnBrk="1" latinLnBrk="0" hangingPunct="1">
         <a:defRPr sz="1800" kern="1200">
           <a:solidFill>
             <a:schemeClr val="tx1"/>
@@ -3526,7 +3537,7 @@
           <a:cs typeface="+mn-cs"/>
         </a:defRPr>
       </a:lvl2pPr>
-      <a:lvl3pPr marL="914400" algn="l" defTabSz="457200" rtl="0" eaLnBrk="1" latinLnBrk="0" hangingPunct="1">
+      <a:lvl3pPr marL="914378" algn="l" defTabSz="457189" rtl="0" eaLnBrk="1" latinLnBrk="0" hangingPunct="1">
         <a:defRPr sz="1800" kern="1200">
           <a:solidFill>
             <a:schemeClr val="tx1"/>
@@ -3536,7 +3547,7 @@
           <a:cs typeface="+mn-cs"/>
         </a:defRPr>
       </a:lvl3pPr>
-      <a:lvl4pPr marL="1371600" algn="l" defTabSz="457200" rtl="0" eaLnBrk="1" latinLnBrk="0" hangingPunct="1">
+      <a:lvl4pPr marL="1371566" algn="l" defTabSz="457189" rtl="0" eaLnBrk="1" latinLnBrk="0" hangingPunct="1">
         <a:defRPr sz="1800" kern="1200">
           <a:solidFill>
             <a:schemeClr val="tx1"/>
@@ -3546,7 +3557,7 @@
           <a:cs typeface="+mn-cs"/>
         </a:defRPr>
       </a:lvl4pPr>
-      <a:lvl5pPr marL="1828800" algn="l" defTabSz="457200" rtl="0" eaLnBrk="1" latinLnBrk="0" hangingPunct="1">
+      <a:lvl5pPr marL="1828754" algn="l" defTabSz="457189" rtl="0" eaLnBrk="1" latinLnBrk="0" hangingPunct="1">
         <a:defRPr sz="1800" kern="1200">
           <a:solidFill>
             <a:schemeClr val="tx1"/>
@@ -3556,7 +3567,7 @@
           <a:cs typeface="+mn-cs"/>
         </a:defRPr>
       </a:lvl5pPr>
-      <a:lvl6pPr marL="2286000" algn="l" defTabSz="457200" rtl="0" eaLnBrk="1" latinLnBrk="0" hangingPunct="1">
+      <a:lvl6pPr marL="2285943" algn="l" defTabSz="457189" rtl="0" eaLnBrk="1" latinLnBrk="0" hangingPunct="1">
         <a:defRPr sz="1800" kern="1200">
           <a:solidFill>
             <a:schemeClr val="tx1"/>
@@ -3566,7 +3577,7 @@
           <a:cs typeface="+mn-cs"/>
         </a:defRPr>
       </a:lvl6pPr>
-      <a:lvl7pPr marL="2743200" algn="l" defTabSz="457200" rtl="0" eaLnBrk="1" latinLnBrk="0" hangingPunct="1">
+      <a:lvl7pPr marL="2743132" algn="l" defTabSz="457189" rtl="0" eaLnBrk="1" latinLnBrk="0" hangingPunct="1">
         <a:defRPr sz="1800" kern="1200">
           <a:solidFill>
             <a:schemeClr val="tx1"/>
@@ -3576,7 +3587,7 @@
           <a:cs typeface="+mn-cs"/>
         </a:defRPr>
       </a:lvl7pPr>
-      <a:lvl8pPr marL="3200400" algn="l" defTabSz="457200" rtl="0" eaLnBrk="1" latinLnBrk="0" hangingPunct="1">
+      <a:lvl8pPr marL="3200320" algn="l" defTabSz="457189" rtl="0" eaLnBrk="1" latinLnBrk="0" hangingPunct="1">
         <a:defRPr sz="1800" kern="1200">
           <a:solidFill>
             <a:schemeClr val="tx1"/>
@@ -3586,7 +3597,7 @@
           <a:cs typeface="+mn-cs"/>
         </a:defRPr>
       </a:lvl8pPr>
-      <a:lvl9pPr marL="3657600" algn="l" defTabSz="457200" rtl="0" eaLnBrk="1" latinLnBrk="0" hangingPunct="1">
+      <a:lvl9pPr marL="3657509" algn="l" defTabSz="457189" rtl="0" eaLnBrk="1" latinLnBrk="0" hangingPunct="1">
         <a:defRPr sz="1800" kern="1200">
           <a:solidFill>
             <a:schemeClr val="tx1"/>
@@ -3630,8 +3641,8 @@
         </p:nvSpPr>
         <p:spPr>
           <a:xfrm>
-            <a:off x="2737086" y="323977"/>
-            <a:ext cx="6170721" cy="1056498"/>
+            <a:off x="2038663" y="323977"/>
+            <a:ext cx="6869145" cy="1056498"/>
           </a:xfrm>
         </p:spPr>
         <p:txBody>
@@ -3649,7 +3660,7 @@
                   </a:schemeClr>
                 </a:solidFill>
               </a:rPr>
-              <a:t>ESIP Winter Meeting 2019	</a:t>
+              <a:t>ESIP Summer Meeting 2019	</a:t>
             </a:r>
           </a:p>
         </p:txBody>
@@ -3672,10 +3683,22 @@
         </p:spPr>
         <p:txBody>
           <a:bodyPr>
-            <a:normAutofit lnSpcReduction="10000"/>
+            <a:normAutofit fontScale="85000" lnSpcReduction="10000"/>
           </a:bodyPr>
           <a:lstStyle/>
           <a:p>
+            <a:r>
+              <a:rPr lang="en-US" sz="4800" dirty="0"/>
+              <a:t>3</a:t>
+            </a:r>
+            <a:r>
+              <a:rPr lang="en-US" sz="4800" baseline="30000" dirty="0"/>
+              <a:t>rd</a:t>
+            </a:r>
+            <a:r>
+              <a:rPr lang="en-US" sz="4800" dirty="0"/>
+              <a:t> Annual </a:t>
+            </a:r>
             <a:r>
               <a:rPr lang="en-US" sz="4800" dirty="0" err="1"/>
               <a:t>Geosemantics</a:t>
@@ -3701,7 +3724,7 @@
         </p:nvSpPr>
         <p:spPr>
           <a:xfrm>
-            <a:off x="1540992" y="4685258"/>
+            <a:off x="1540993" y="4685259"/>
             <a:ext cx="6302399" cy="1200329"/>
           </a:xfrm>
           <a:prstGeom prst="rect">
@@ -3729,35 +3752,14 @@
             <a:pPr algn="ctr"/>
             <a:r>
               <a:rPr lang="en-US" sz="2400" dirty="0"/>
-              <a:t>Network: </a:t>
-            </a:r>
-            <a:r>
-              <a:rPr lang="en-US" sz="2400" dirty="0" err="1"/>
-              <a:t>Marriott_Conference</a:t>
-            </a:r>
-            <a:endParaRPr lang="en-US" sz="2400" dirty="0"/>
+              <a:t>Network: GTCTC-Public</a:t>
+            </a:r>
           </a:p>
           <a:p>
             <a:pPr algn="ctr"/>
             <a:r>
               <a:rPr lang="en-US" sz="2400" dirty="0"/>
-              <a:t>Password: </a:t>
-            </a:r>
-            <a:r>
-              <a:rPr lang="en-US" sz="2400" dirty="0" err="1">
-                <a:solidFill>
-                  <a:schemeClr val="accent3"/>
-                </a:solidFill>
-              </a:rPr>
-              <a:t>earthscience</a:t>
-            </a:r>
-            <a:r>
-              <a:rPr lang="en-US" sz="2400" dirty="0">
-                <a:solidFill>
-                  <a:schemeClr val="accent3"/>
-                </a:solidFill>
-              </a:rPr>
-              <a:t> </a:t>
+              <a:t>(no password required)</a:t>
             </a:r>
           </a:p>
         </p:txBody>
@@ -3784,7 +3786,7 @@
         </p:blipFill>
         <p:spPr>
           <a:xfrm>
-            <a:off x="3487057" y="1439437"/>
+            <a:off x="3487058" y="1439438"/>
             <a:ext cx="1917700" cy="889000"/>
           </a:xfrm>
           <a:prstGeom prst="rect">
@@ -3796,6 +3798,149 @@
     <p:extLst>
       <p:ext uri="{BB962C8B-B14F-4D97-AF65-F5344CB8AC3E}">
         <p14:creationId xmlns:p14="http://schemas.microsoft.com/office/powerpoint/2010/main" val="4279422270"/>
+      </p:ext>
+    </p:extLst>
+  </p:cSld>
+  <p:clrMapOvr>
+    <a:masterClrMapping/>
+  </p:clrMapOvr>
+</p:sld>
+</file>
+
+<file path=ppt/slides/slide10.xml><?xml version="1.0" encoding="utf-8"?>
+<p:sld xmlns:a="http://schemas.openxmlformats.org/drawingml/2006/main" xmlns:r="http://schemas.openxmlformats.org/officeDocument/2006/relationships" xmlns:p="http://schemas.openxmlformats.org/presentationml/2006/main">
+  <p:cSld>
+    <p:spTree>
+      <p:nvGrpSpPr>
+        <p:cNvPr id="1" name=""/>
+        <p:cNvGrpSpPr/>
+        <p:nvPr/>
+      </p:nvGrpSpPr>
+      <p:grpSpPr>
+        <a:xfrm>
+          <a:off x="0" y="0"/>
+          <a:ext cx="0" cy="0"/>
+          <a:chOff x="0" y="0"/>
+          <a:chExt cx="0" cy="0"/>
+        </a:xfrm>
+      </p:grpSpPr>
+      <p:sp>
+        <p:nvSpPr>
+          <p:cNvPr id="2" name="Title 1"/>
+          <p:cNvSpPr>
+            <a:spLocks noGrp="1"/>
+          </p:cNvSpPr>
+          <p:nvPr>
+            <p:ph type="title"/>
+          </p:nvPr>
+        </p:nvSpPr>
+        <p:spPr>
+          <a:xfrm>
+            <a:off x="457200" y="190143"/>
+            <a:ext cx="8229600" cy="1143000"/>
+          </a:xfrm>
+        </p:spPr>
+        <p:txBody>
+          <a:bodyPr>
+            <a:normAutofit/>
+          </a:bodyPr>
+          <a:lstStyle/>
+          <a:p>
+            <a:r>
+              <a:rPr lang="en-US" dirty="0">
+                <a:solidFill>
+                  <a:srgbClr val="67BAF6"/>
+                </a:solidFill>
+              </a:rPr>
+              <a:t>Finally</a:t>
+            </a:r>
+            <a:r>
+              <a:rPr lang="is-IS" dirty="0">
+                <a:solidFill>
+                  <a:srgbClr val="67BAF6"/>
+                </a:solidFill>
+              </a:rPr>
+              <a:t>… </a:t>
+            </a:r>
+            <a:r>
+              <a:rPr lang="en-US" dirty="0">
+                <a:solidFill>
+                  <a:srgbClr val="67BAF6"/>
+                </a:solidFill>
+              </a:rPr>
+              <a:t>Feedback</a:t>
+            </a:r>
+          </a:p>
+        </p:txBody>
+      </p:sp>
+      <p:sp>
+        <p:nvSpPr>
+          <p:cNvPr id="3" name="TextBox 2"/>
+          <p:cNvSpPr txBox="1"/>
+          <p:nvPr/>
+        </p:nvSpPr>
+        <p:spPr>
+          <a:xfrm>
+            <a:off x="378618" y="1614553"/>
+            <a:ext cx="8482354" cy="4832092"/>
+          </a:xfrm>
+          <a:prstGeom prst="rect">
+            <a:avLst/>
+          </a:prstGeom>
+          <a:noFill/>
+        </p:spPr>
+        <p:txBody>
+          <a:bodyPr wrap="square" rtlCol="0">
+            <a:spAutoFit/>
+          </a:bodyPr>
+          <a:lstStyle/>
+          <a:p>
+            <a:pPr algn="just"/>
+            <a:r>
+              <a:rPr lang="en-US" sz="2800" dirty="0"/>
+              <a:t>Feedback on todays content is extremely valuable. The aim is to continue the </a:t>
+            </a:r>
+            <a:r>
+              <a:rPr lang="en-US" sz="2800" dirty="0" err="1"/>
+              <a:t>Geosemantics</a:t>
+            </a:r>
+            <a:r>
+              <a:rPr lang="en-US" sz="2800" dirty="0"/>
+              <a:t> Symposium as a co-located, pre-ESIP Winter event for the foreseeable future. Without your criticisms we cannot make the event useful and relevant for attendees.</a:t>
+            </a:r>
+          </a:p>
+          <a:p>
+            <a:pPr algn="just"/>
+            <a:endParaRPr lang="en-US" sz="2800" dirty="0"/>
+          </a:p>
+          <a:p>
+            <a:pPr algn="just"/>
+            <a:r>
+              <a:rPr lang="en-US" sz="2800" dirty="0"/>
+              <a:t>Please give your feedback on SCHED - under </a:t>
+            </a:r>
+            <a:r>
+              <a:rPr lang="en-US" sz="2800" b="1" i="1" dirty="0"/>
+              <a:t>What did you think?</a:t>
+            </a:r>
+          </a:p>
+          <a:p>
+            <a:pPr algn="just"/>
+            <a:endParaRPr lang="en-US" sz="2800" b="1" i="1" dirty="0"/>
+          </a:p>
+          <a:p>
+            <a:pPr algn="just"/>
+            <a:r>
+              <a:rPr lang="en-US" sz="2800" dirty="0"/>
+              <a:t>Additionally, please speak or email Beth+/Lewis</a:t>
+            </a:r>
+          </a:p>
+        </p:txBody>
+      </p:sp>
+    </p:spTree>
+    <p:extLst>
+      <p:ext uri="{BB962C8B-B14F-4D97-AF65-F5344CB8AC3E}">
+        <p14:creationId xmlns:p14="http://schemas.microsoft.com/office/powerpoint/2010/main" val="1190424382"/>
       </p:ext>
     </p:extLst>
   </p:cSld>
@@ -3873,7 +4018,29 @@
           <a:p>
             <a:r>
               <a:rPr lang="en-US" dirty="0"/>
-              <a:t>TBC</a:t>
+              <a:t>Check out the full agenda and create your own schedule at </a:t>
+            </a:r>
+            <a:r>
+              <a:rPr lang="en-US" dirty="0">
+                <a:hlinkClick r:id="rId2"/>
+              </a:rPr>
+              <a:t>https://sched.co/MKH5</a:t>
+            </a:r>
+            <a:endParaRPr lang="en-US" dirty="0"/>
+          </a:p>
+          <a:p>
+            <a:pPr marL="0" indent="0">
+              <a:buNone/>
+            </a:pPr>
+            <a:endParaRPr lang="en-US" dirty="0"/>
+          </a:p>
+          <a:p>
+            <a:pPr marL="0" indent="0">
+              <a:buNone/>
+            </a:pPr>
+            <a:r>
+              <a:rPr lang="en-US" dirty="0"/>
+              <a:t>If you personalize your schedule, Sched will send you one email daily with the schedule for the day. You can also download the Sched app on your phone for easy viewing throughout the day.</a:t>
             </a:r>
           </a:p>
           <a:p>
@@ -3954,7 +4121,7 @@
         <p:spPr>
           <a:xfrm>
             <a:off x="394097" y="1017607"/>
-            <a:ext cx="8308183" cy="4708981"/>
+            <a:ext cx="8308183" cy="4154984"/>
           </a:xfrm>
           <a:prstGeom prst="rect">
             <a:avLst/>
@@ -3967,66 +4134,41 @@
           </a:bodyPr>
           <a:lstStyle/>
           <a:p>
-            <a:pPr marL="285750" indent="-285750" algn="just">
+            <a:pPr marL="285743" indent="-285743" algn="just">
               <a:buFont typeface="Arial"/>
               <a:buChar char="•"/>
             </a:pPr>
             <a:r>
               <a:rPr lang="en-US" sz="2400" dirty="0"/>
-              <a:t>Bring the geoscience community together to explore the potential of semantic technologies to support Earth science research</a:t>
-            </a:r>
-          </a:p>
-          <a:p>
-            <a:pPr marL="742950" lvl="1" indent="-285750" algn="just">
+              <a:t>This year's symposium theme is </a:t>
+            </a:r>
+            <a:r>
+              <a:rPr lang="en-US" sz="2400" b="1" dirty="0"/>
+              <a:t>Building Harmony between Data Semantics and Machine Learning</a:t>
+            </a:r>
+            <a:r>
+              <a:rPr lang="en-US" sz="2400" dirty="0"/>
+              <a:t> which will act as, amongst other things, a platform for Semantic Technologies and Machine Learning enthusiasts to come together in an interdisciplinary manner.</a:t>
+            </a:r>
+          </a:p>
+          <a:p>
+            <a:pPr marL="285743" indent="-285743" algn="just">
               <a:buFont typeface="Arial"/>
               <a:buChar char="•"/>
             </a:pPr>
             <a:r>
               <a:rPr lang="en-US" sz="2400" dirty="0"/>
-              <a:t>Find out how semantic technologies are being used in geoscience and other science communities</a:t>
-            </a:r>
-          </a:p>
-          <a:p>
-            <a:pPr marL="742950" lvl="1" indent="-285750" algn="just">
+              <a:t>The symposium will aim to investigate and integrate data semantics as a first class citizen within the pervasive machine learning technology space.</a:t>
+            </a:r>
+          </a:p>
+          <a:p>
+            <a:pPr marL="285743" indent="-285743" algn="just">
               <a:buFont typeface="Arial"/>
               <a:buChar char="•"/>
             </a:pPr>
             <a:r>
               <a:rPr lang="en-US" sz="2400" dirty="0"/>
-              <a:t>Learn about semantic tools, techniques and platforms, and how to use them</a:t>
-            </a:r>
-          </a:p>
-          <a:p>
-            <a:pPr marL="742950" lvl="1" indent="-285750" algn="just">
-              <a:buFont typeface="Arial"/>
-              <a:buChar char="•"/>
-            </a:pPr>
-            <a:r>
-              <a:rPr lang="en-US" sz="2400" dirty="0"/>
-              <a:t>Discover opportunities for collaboration</a:t>
-            </a:r>
-          </a:p>
-          <a:p>
-            <a:pPr marL="742950" lvl="1" indent="-285750" algn="just">
-              <a:buFont typeface="Arial"/>
-              <a:buChar char="•"/>
-            </a:pPr>
-            <a:r>
-              <a:rPr lang="en-US" sz="2400" dirty="0"/>
-              <a:t>Develop a roadmap for fully leveraging semantic technologies for geoscience</a:t>
-            </a:r>
-          </a:p>
-          <a:p>
-            <a:pPr lvl="1" algn="ctr"/>
-            <a:r>
-              <a:rPr lang="en-US" sz="3000" dirty="0">
-                <a:solidFill>
-                  <a:schemeClr val="accent3">
-                    <a:lumMod val="75000"/>
-                  </a:schemeClr>
-                </a:solidFill>
-              </a:rPr>
-              <a:t>Our theme this year is utilizing established vocabulary to improve discovery</a:t>
+              <a:t>This is an excellent opportunity for us to establish stronger connections between the ESIP Machine Learning and Semantic Technologies communities.</a:t>
             </a:r>
           </a:p>
         </p:txBody>
@@ -4115,7 +4257,7 @@
         <p:spPr>
           <a:xfrm>
             <a:off x="315514" y="1903318"/>
-            <a:ext cx="8308183" cy="3970318"/>
+            <a:ext cx="8308183" cy="4832092"/>
           </a:xfrm>
           <a:prstGeom prst="rect">
             <a:avLst/>
@@ -4141,8 +4283,30 @@
             </a:r>
             <a:r>
               <a:rPr lang="en-US" sz="2800" dirty="0"/>
-              <a:t>The morning sessions feature short presentations on semantic technology projects around the Earth science and health science communities. Our fabulous line-up of speakers will give you a brief overview of their projects, which range from ontology development and maintenance to machine learning and AI techniques.</a:t>
-            </a:r>
+              <a:t>The morning features 4 30-minute guest presentations with 10 minutes for questions between presentations so please be thinking about questions. A brief coffee break is arranged for mid morning – 10AM.</a:t>
+            </a:r>
+          </a:p>
+          <a:p>
+            <a:pPr algn="just"/>
+            <a:endParaRPr lang="en-US" sz="2800" dirty="0"/>
+          </a:p>
+          <a:p>
+            <a:pPr algn="just"/>
+            <a:r>
+              <a:rPr lang="en-US" sz="2800" dirty="0"/>
+              <a:t>Speaker presentation materials available at </a:t>
+            </a:r>
+            <a:r>
+              <a:rPr lang="en-US" sz="2800" dirty="0">
+                <a:hlinkClick r:id="rId2"/>
+              </a:rPr>
+              <a:t>https://esipfed.github.io/stc/symposium/2019/symposium_schedule.html</a:t>
+            </a:r>
+            <a:endParaRPr lang="en-US" sz="2800" dirty="0"/>
+          </a:p>
+          <a:p>
+            <a:pPr algn="just"/>
+            <a:endParaRPr lang="en-US" sz="2800" dirty="0"/>
           </a:p>
           <a:p>
             <a:endParaRPr lang="en-US" sz="2800" dirty="0"/>
@@ -4243,12 +4407,67 @@
                   </a:schemeClr>
                 </a:solidFill>
               </a:rPr>
-              <a:t>Afternoon sessions: </a:t>
+              <a:t>Lunch: </a:t>
             </a:r>
             <a:r>
               <a:rPr lang="en-US" sz="2800" dirty="0"/>
-              <a:t>In the afternoon, many of the speakers from the morning sessions, as well as some new presenters, will provide an in-depth look at their projects and the tools and platforms they work with. For these workshop sessions, we’ll split into smaller groups, with three workshops being give during each 45 minute session. Each workshop will be given twice, so if 2 workshops interest you but are at the same time, you can still participate in both. </a:t>
-            </a:r>
+              <a:t>… will start at 11:30 – 12:30. </a:t>
+            </a:r>
+          </a:p>
+          <a:p>
+            <a:pPr algn="just"/>
+            <a:endParaRPr lang="en-US" sz="2800" dirty="0"/>
+          </a:p>
+          <a:p>
+            <a:pPr algn="just"/>
+            <a:r>
+              <a:rPr lang="en-US" sz="2800" dirty="0"/>
+              <a:t>ESIP has generously provided lunch for all on-site attendees. </a:t>
+            </a:r>
+          </a:p>
+          <a:p>
+            <a:pPr algn="just"/>
+            <a:endParaRPr lang="en-US" sz="2800" dirty="0"/>
+          </a:p>
+          <a:p>
+            <a:pPr algn="just"/>
+            <a:r>
+              <a:rPr lang="en-US" sz="2800" dirty="0"/>
+              <a:t>We also have a lunchtime presentation from Dr. Jane </a:t>
+            </a:r>
+            <a:r>
+              <a:rPr lang="en-US" sz="2800" dirty="0" err="1"/>
+              <a:t>Wyngaard</a:t>
+            </a:r>
+            <a:r>
+              <a:rPr lang="en-US" sz="2800" dirty="0"/>
+              <a:t> who is leading the </a:t>
+            </a:r>
+            <a:r>
+              <a:rPr lang="en-US" sz="2800" b="1" i="1" dirty="0"/>
+              <a:t>LANDRS: Linked-data API for Networked </a:t>
+            </a:r>
+            <a:r>
+              <a:rPr lang="en-US" sz="2800" b="1" i="1" dirty="0" err="1"/>
+              <a:t>DRoneS</a:t>
+            </a:r>
+            <a:r>
+              <a:rPr lang="en-US" sz="2800" b="1" i="1" dirty="0"/>
+              <a:t> </a:t>
+            </a:r>
+            <a:r>
+              <a:rPr lang="en-US" sz="2800" dirty="0"/>
+              <a:t>initiative. This will be continuing with a full day hackathon on Tuesday, 16</a:t>
+            </a:r>
+            <a:r>
+              <a:rPr lang="en-US" sz="2800" baseline="30000" dirty="0"/>
+              <a:t>th</a:t>
+            </a:r>
+            <a:r>
+              <a:rPr lang="en-US" sz="2800" dirty="0"/>
+              <a:t>.</a:t>
+            </a:r>
+            <a:endParaRPr lang="en-US" sz="2800" b="1" i="1" dirty="0"/>
           </a:p>
         </p:txBody>
       </p:sp>
@@ -4323,8 +4542,8 @@
         </p:nvSpPr>
         <p:spPr>
           <a:xfrm>
-            <a:off x="417908" y="1462854"/>
-            <a:ext cx="8308183" cy="4401205"/>
+            <a:off x="378617" y="1333143"/>
+            <a:ext cx="8308183" cy="5693866"/>
           </a:xfrm>
           <a:prstGeom prst="rect">
             <a:avLst/>
@@ -4346,11 +4565,11 @@
                   </a:schemeClr>
                 </a:solidFill>
               </a:rPr>
-              <a:t>Discussion: </a:t>
+              <a:t>Afternoon sessions: </a:t>
             </a:r>
             <a:r>
               <a:rPr lang="en-US" sz="2800" dirty="0"/>
-              <a:t>During the last 45 minute session, we’ll have a group discussion on developing a semantic technology roadmap for Earth science. </a:t>
+              <a:t>… involve three 90-minute hands-on workshops which will take us through to 5:30PM. For those that can make it, the Drone Data API agenda will continue after 5:30 so stick around!!!</a:t>
             </a:r>
           </a:p>
           <a:p>
@@ -4361,42 +4580,37 @@
             <a:pPr algn="just"/>
             <a:r>
               <a:rPr lang="en-US" sz="2800" dirty="0"/>
-              <a:t>If time permits, we will discuss the relevancy of the content on the Semantic Technologies wiki page in particular</a:t>
-            </a:r>
-          </a:p>
-          <a:p>
-            <a:pPr marL="457200" indent="-457200" algn="just">
-              <a:buFont typeface="Arial" charset="0"/>
-              <a:buChar char="•"/>
-            </a:pPr>
-            <a:r>
-              <a:rPr lang="en-US" sz="2800" i="1" dirty="0"/>
-              <a:t>Current Projects and Collaborations, and</a:t>
-            </a:r>
-          </a:p>
-          <a:p>
-            <a:pPr marL="457200" indent="-457200" algn="just">
-              <a:buFont typeface="Arial" charset="0"/>
-              <a:buChar char="•"/>
-            </a:pPr>
-            <a:r>
-              <a:rPr lang="en-US" sz="2800" i="1" dirty="0"/>
-              <a:t>Semantic Technologies Strategic Vision</a:t>
-            </a:r>
-          </a:p>
-          <a:p>
-            <a:pPr marL="457200" indent="-457200" algn="just">
-              <a:buFont typeface="Arial" charset="0"/>
-              <a:buChar char="•"/>
-            </a:pPr>
-            <a:endParaRPr lang="en-US" sz="2800" i="1" dirty="0"/>
+              <a:t>Each workshop is separated with a 15 minute coffee break.</a:t>
+            </a:r>
+          </a:p>
+          <a:p>
+            <a:pPr algn="just"/>
+            <a:endParaRPr lang="en-US" sz="2800" dirty="0"/>
+          </a:p>
+          <a:p>
+            <a:pPr algn="just"/>
+            <a:r>
+              <a:rPr lang="en-US" sz="2800" dirty="0"/>
+              <a:t>Again, all workshop materials are available at </a:t>
+            </a:r>
+            <a:r>
+              <a:rPr lang="en-US" sz="2800" dirty="0">
+                <a:hlinkClick r:id="rId2"/>
+              </a:rPr>
+              <a:t>https://esipfed.github.io/stc/symposium/2019/symposium_schedule.html</a:t>
+            </a:r>
+            <a:endParaRPr lang="en-US" sz="2800" dirty="0"/>
+          </a:p>
+          <a:p>
+            <a:pPr algn="just"/>
+            <a:endParaRPr lang="en-US" sz="2800" dirty="0"/>
           </a:p>
         </p:txBody>
       </p:sp>
     </p:spTree>
     <p:extLst>
       <p:ext uri="{BB962C8B-B14F-4D97-AF65-F5344CB8AC3E}">
-        <p14:creationId xmlns:p14="http://schemas.microsoft.com/office/powerpoint/2010/main" val="4070640772"/>
+        <p14:creationId xmlns:p14="http://schemas.microsoft.com/office/powerpoint/2010/main" val="3565291590"/>
       </p:ext>
     </p:extLst>
   </p:cSld>
@@ -4435,13 +4649,13 @@
         </p:nvSpPr>
         <p:spPr>
           <a:xfrm>
-            <a:off x="152400" y="-139362"/>
-            <a:ext cx="9111343" cy="1143000"/>
+            <a:off x="457200" y="190143"/>
+            <a:ext cx="8229600" cy="1143000"/>
           </a:xfrm>
         </p:spPr>
         <p:txBody>
           <a:bodyPr>
-            <a:normAutofit fontScale="90000"/>
+            <a:normAutofit/>
           </a:bodyPr>
           <a:lstStyle/>
           <a:p>
@@ -4451,7 +4665,7 @@
                   <a:srgbClr val="67BAF6"/>
                 </a:solidFill>
               </a:rPr>
-              <a:t>Relevant Semantics Sessions @ESIP</a:t>
+              <a:t>Agenda</a:t>
             </a:r>
           </a:p>
         </p:txBody>
@@ -4464,8 +4678,8 @@
         </p:nvSpPr>
         <p:spPr>
           <a:xfrm>
-            <a:off x="152400" y="944256"/>
-            <a:ext cx="8784771" cy="338554"/>
+            <a:off x="417909" y="1462854"/>
+            <a:ext cx="8308183" cy="1815882"/>
           </a:xfrm>
           <a:prstGeom prst="rect">
             <a:avLst/>
@@ -4478,23 +4692,41 @@
           </a:bodyPr>
           <a:lstStyle/>
           <a:p>
-            <a:pPr marL="457200" indent="-457200" algn="just">
-              <a:buFont typeface="Arial" charset="0"/>
-              <a:buChar char="•"/>
-            </a:pPr>
-            <a:r>
-              <a:rPr lang="en-US" altLang="en-US" sz="1600" b="1" dirty="0">
-                <a:latin typeface="Arial" charset="0"/>
+            <a:pPr algn="just"/>
+            <a:r>
+              <a:rPr lang="en-US" sz="2800" dirty="0">
+                <a:solidFill>
+                  <a:schemeClr val="accent3">
+                    <a:lumMod val="75000"/>
+                  </a:schemeClr>
+                </a:solidFill>
               </a:rPr>
-              <a:t>TBC</a:t>
-            </a:r>
-            <a:endParaRPr lang="en-US" sz="1600" dirty="0"/>
-          </a:p>
-        </p:txBody>
-      </p:sp>
-      <p:sp>
-        <p:nvSpPr>
-          <p:cNvPr id="5" name="Rectangle 3"/>
+              <a:t>Discussion: </a:t>
+            </a:r>
+            <a:r>
+              <a:rPr lang="en-US" sz="2800" dirty="0"/>
+              <a:t>Please bring any discussion items to the following forums</a:t>
+            </a:r>
+          </a:p>
+          <a:p>
+            <a:pPr algn="just"/>
+            <a:endParaRPr lang="en-US" sz="2800" i="1" dirty="0"/>
+          </a:p>
+          <a:p>
+            <a:pPr algn="just"/>
+            <a:endParaRPr lang="en-US" sz="2800" i="1" dirty="0"/>
+          </a:p>
+        </p:txBody>
+      </p:sp>
+      <p:sp>
+        <p:nvSpPr>
+          <p:cNvPr id="4" name="Rectangle 1">
+            <a:extLst>
+              <a:ext uri="{FF2B5EF4-FFF2-40B4-BE49-F238E27FC236}">
+                <a16:creationId xmlns:a16="http://schemas.microsoft.com/office/drawing/2014/main" id="{11720E25-C8AD-EE4E-831D-28512C8E7F73}"/>
+              </a:ext>
+            </a:extLst>
+          </p:cNvPr>
           <p:cNvSpPr>
             <a:spLocks noChangeArrowheads="1"/>
           </p:cNvSpPr>
@@ -4502,8 +4734,8 @@
         </p:nvSpPr>
         <p:spPr bwMode="auto">
           <a:xfrm>
-            <a:off x="0" y="43934"/>
-            <a:ext cx="312906" cy="369332"/>
+            <a:off x="337459" y="2747725"/>
+            <a:ext cx="6984091" cy="3108543"/>
           </a:xfrm>
           <a:prstGeom prst="rect">
             <a:avLst/>
@@ -4514,15 +4746,15 @@
           </a:ln>
           <a:effectLst/>
           <a:extLst>
-            <a:ext uri="{909E8E84-426E-40dd-AFC4-6F175D3DCCD1}">
-              <a14:hiddenFill xmlns:a14="http://schemas.microsoft.com/office/drawing/2010/main" xmlns="">
+            <a:ext uri="{909E8E84-426E-40DD-AFC4-6F175D3DCCD1}">
+              <a14:hiddenFill xmlns:a14="http://schemas.microsoft.com/office/drawing/2010/main">
                 <a:solidFill>
                   <a:schemeClr val="accent1"/>
                 </a:solidFill>
               </a14:hiddenFill>
             </a:ext>
-            <a:ext uri="{91240B29-F687-4f45-9708-019B960494DF}">
-              <a14:hiddenLine xmlns:a14="http://schemas.microsoft.com/office/drawing/2010/main" xmlns="" w="9525">
+            <a:ext uri="{91240B29-F687-4F45-9708-019B960494DF}">
+              <a14:hiddenLine xmlns:a14="http://schemas.microsoft.com/office/drawing/2010/main" w="9525">
                 <a:solidFill>
                   <a:schemeClr val="tx1"/>
                 </a:solidFill>
@@ -4531,13 +4763,11 @@
                 <a:tailEnd/>
               </a14:hiddenLine>
             </a:ext>
-            <a:ext uri="{AF507438-7753-43e0-B8FC-AC1667EBCBE1}">
-              <a14:hiddenEffects xmlns:a14="http://schemas.microsoft.com/office/drawing/2010/main" xmlns="">
+            <a:ext uri="{AF507438-7753-43E0-B8FC-AC1667EBCBE1}">
+              <a14:hiddenEffects xmlns:a14="http://schemas.microsoft.com/office/drawing/2010/main">
                 <a:effectLst>
-                  <a:outerShdw blurRad="63500" dist="38099" dir="2700000" algn="ctr" rotWithShape="0">
-                    <a:schemeClr val="bg2">
-                      <a:alpha val="74998"/>
-                    </a:schemeClr>
+                  <a:outerShdw dist="35921" dir="2700000" algn="ctr" rotWithShape="0">
+                    <a:schemeClr val="bg2"/>
                   </a:outerShdw>
                 </a:effectLst>
               </a14:hiddenEffects>
@@ -4553,58 +4783,149 @@
           </a:bodyPr>
           <a:lstStyle/>
           <a:p>
-            <a:pPr marL="0" marR="0" lvl="0" indent="0" algn="l" defTabSz="914400" rtl="0" eaLnBrk="0" fontAlgn="base" latinLnBrk="0" hangingPunct="0">
-              <a:lnSpc>
-                <a:spcPct val="100000"/>
-              </a:lnSpc>
+            <a:pPr defTabSz="914378" eaLnBrk="0" fontAlgn="base" hangingPunct="0">
               <a:spcBef>
                 <a:spcPct val="0"/>
               </a:spcBef>
               <a:spcAft>
                 <a:spcPct val="0"/>
               </a:spcAft>
-              <a:buClrTx/>
-              <a:buSzTx/>
-              <a:buFontTx/>
-              <a:buNone/>
-              <a:tabLst/>
             </a:pPr>
             <a:r>
-              <a:rPr kumimoji="0" lang="en-US" altLang="en-US" sz="1800" b="0" i="0" u="none" strike="noStrike" cap="none" normalizeH="0" baseline="0" dirty="0">
-                <a:ln>
-                  <a:noFill/>
-                </a:ln>
-                <a:solidFill>
-                  <a:schemeClr val="tx1"/>
-                </a:solidFill>
-                <a:effectLst/>
-                <a:latin typeface="Arial" charset="0"/>
+              <a:rPr lang="en-US" altLang="en-US" sz="2800" b="1" i="1" dirty="0">
+                <a:latin typeface="Arial" panose="020B0604020202020204" pitchFamily="34" charset="0"/>
+                <a:hlinkClick r:id="rId2">
+                  <a:extLst>
+                    <a:ext uri="{A12FA001-AC4F-418D-AE19-62706E023703}">
+                      <ahyp:hlinkClr xmlns:ahyp="http://schemas.microsoft.com/office/drawing/2018/hyperlinkcolor" val="tx"/>
+                    </a:ext>
+                  </a:extLst>
+                </a:hlinkClick>
+              </a:rPr>
+              <a:t>SemTech Committee Business Meeting </a:t>
+            </a:r>
+            <a:endParaRPr lang="en-US" altLang="en-US" sz="2800" b="1" i="1" dirty="0">
+              <a:latin typeface="Arial" panose="020B0604020202020204" pitchFamily="34" charset="0"/>
+            </a:endParaRPr>
+          </a:p>
+          <a:p>
+            <a:pPr defTabSz="914378" eaLnBrk="0" fontAlgn="base" hangingPunct="0">
+              <a:spcBef>
+                <a:spcPct val="0"/>
+              </a:spcBef>
+              <a:spcAft>
+                <a:spcPct val="0"/>
+              </a:spcAft>
+            </a:pPr>
+            <a:r>
+              <a:rPr lang="en-US" altLang="en-US" sz="2800" b="1" dirty="0">
+                <a:latin typeface="Arial" panose="020B0604020202020204" pitchFamily="34" charset="0"/>
+              </a:rPr>
+              <a:t>Friday</a:t>
+            </a:r>
+            <a:r>
+              <a:rPr lang="en-US" altLang="en-US" sz="2800" dirty="0">
+                <a:latin typeface="Arial" panose="020B0604020202020204" pitchFamily="34" charset="0"/>
+              </a:rPr>
+              <a:t>, July 19 • 11:45am - 1:15pm </a:t>
+            </a:r>
+          </a:p>
+          <a:p>
+            <a:pPr defTabSz="914378" eaLnBrk="0" fontAlgn="base" hangingPunct="0">
+              <a:spcBef>
+                <a:spcPct val="0"/>
+              </a:spcBef>
+              <a:spcAft>
+                <a:spcPct val="0"/>
+              </a:spcAft>
+            </a:pPr>
+            <a:endParaRPr lang="en-US" altLang="en-US" sz="2800" dirty="0">
+              <a:latin typeface="Arial" panose="020B0604020202020204" pitchFamily="34" charset="0"/>
+            </a:endParaRPr>
+          </a:p>
+          <a:p>
+            <a:pPr defTabSz="914378" eaLnBrk="0" fontAlgn="base" hangingPunct="0">
+              <a:spcBef>
+                <a:spcPct val="0"/>
+              </a:spcBef>
+              <a:spcAft>
+                <a:spcPct val="0"/>
+              </a:spcAft>
+            </a:pPr>
+            <a:r>
+              <a:rPr lang="en-US" altLang="en-US" sz="2800" dirty="0">
+                <a:latin typeface="Arial" panose="020B0604020202020204" pitchFamily="34" charset="0"/>
+              </a:rPr>
+              <a:t>OR</a:t>
+            </a:r>
+          </a:p>
+          <a:p>
+            <a:pPr defTabSz="914378" eaLnBrk="0" fontAlgn="base" hangingPunct="0">
+              <a:spcBef>
+                <a:spcPct val="0"/>
+              </a:spcBef>
+              <a:spcAft>
+                <a:spcPct val="0"/>
+              </a:spcAft>
+            </a:pPr>
+            <a:endParaRPr lang="en-US" altLang="en-US" sz="2800" dirty="0">
+              <a:latin typeface="Arial" panose="020B0604020202020204" pitchFamily="34" charset="0"/>
+            </a:endParaRPr>
+          </a:p>
+          <a:p>
+            <a:pPr defTabSz="914378" eaLnBrk="0" fontAlgn="base" hangingPunct="0">
+              <a:spcBef>
+                <a:spcPct val="0"/>
+              </a:spcBef>
+              <a:spcAft>
+                <a:spcPct val="0"/>
+              </a:spcAft>
+            </a:pPr>
+            <a:r>
+              <a:rPr lang="en-US" altLang="en-US" sz="2800" dirty="0">
+                <a:latin typeface="Arial" panose="020B0604020202020204" pitchFamily="34" charset="0"/>
+                <a:hlinkClick r:id="rId3"/>
+              </a:rPr>
+              <a:t>esip-semanticweb@lists.esipfed.org</a:t>
+            </a:r>
+            <a:endParaRPr lang="en-US" altLang="en-US" sz="2800" dirty="0">
+              <a:latin typeface="Arial" panose="020B0604020202020204" pitchFamily="34" charset="0"/>
+            </a:endParaRPr>
+          </a:p>
+          <a:p>
+            <a:pPr defTabSz="914378" eaLnBrk="0" fontAlgn="base" hangingPunct="0">
+              <a:spcBef>
+                <a:spcPct val="0"/>
+              </a:spcBef>
+              <a:spcAft>
+                <a:spcPct val="0"/>
+              </a:spcAft>
+            </a:pPr>
+            <a:r>
+              <a:rPr lang="en-US" altLang="en-US" sz="2800" dirty="0">
+                <a:latin typeface="Arial" panose="020B0604020202020204" pitchFamily="34" charset="0"/>
               </a:rPr>
               <a:t>  </a:t>
             </a:r>
-            <a:endParaRPr kumimoji="0" lang="en-US" altLang="en-US" sz="2200" b="0" i="0" u="none" strike="noStrike" cap="none" normalizeH="0" baseline="0" dirty="0">
-              <a:ln>
-                <a:noFill/>
-              </a:ln>
-              <a:solidFill>
-                <a:schemeClr val="tx1"/>
-              </a:solidFill>
-              <a:effectLst/>
-              <a:latin typeface="Arial" charset="0"/>
-            </a:endParaRPr>
           </a:p>
         </p:txBody>
       </p:sp>
       <p:pic>
         <p:nvPicPr>
-          <p:cNvPr id="1028" name="Picture 4" descr="https://cdn.schd.ws/common/img/add-to-sched-lines.png"/>
+          <p:cNvPr id="1026" name="Picture 2" descr="https://cdn.sched.co/common/img/add-to-sched-lines.png">
+            <a:extLst>
+              <a:ext uri="{FF2B5EF4-FFF2-40B4-BE49-F238E27FC236}">
+                <a16:creationId xmlns:a16="http://schemas.microsoft.com/office/drawing/2014/main" id="{0CED1387-9F08-1D4A-885A-2C4061D3CEAE}"/>
+              </a:ext>
+            </a:extLst>
+          </p:cNvPr>
           <p:cNvPicPr>
             <a:picLocks noChangeAspect="1" noChangeArrowheads="1"/>
           </p:cNvPicPr>
           <p:nvPr/>
         </p:nvPicPr>
         <p:blipFill>
-          <a:blip r:embed="rId2">
+          <a:blip r:embed="rId4">
             <a:extLst>
               <a:ext uri="{28A0092B-C50C-407E-A947-70E740481C1C}">
                 <a14:useLocalDpi xmlns:a14="http://schemas.microsoft.com/office/drawing/2010/main" val="0"/>
@@ -4618,448 +4939,16 @@
         </p:blipFill>
         <p:spPr bwMode="auto">
           <a:xfrm>
-            <a:off x="0" y="0"/>
-            <a:ext cx="361950" cy="361950"/>
+            <a:off x="0" y="138113"/>
+            <a:ext cx="482600" cy="482600"/>
           </a:xfrm>
           <a:prstGeom prst="rect">
             <a:avLst/>
           </a:prstGeom>
           <a:noFill/>
           <a:extLst>
-            <a:ext uri="{909E8E84-426E-40dd-AFC4-6F175D3DCCD1}">
-              <a14:hiddenFill xmlns:a14="http://schemas.microsoft.com/office/drawing/2010/main" xmlns="">
-                <a:solidFill>
-                  <a:srgbClr val="FFFFFF"/>
-                </a:solidFill>
-              </a14:hiddenFill>
-            </a:ext>
-          </a:extLst>
-        </p:spPr>
-      </p:pic>
-      <p:sp>
-        <p:nvSpPr>
-          <p:cNvPr id="6" name="Rectangle 5"/>
-          <p:cNvSpPr>
-            <a:spLocks noChangeArrowheads="1"/>
-          </p:cNvSpPr>
-          <p:nvPr/>
-        </p:nvSpPr>
-        <p:spPr bwMode="auto">
-          <a:xfrm>
-            <a:off x="152400" y="196334"/>
-            <a:ext cx="312906" cy="369332"/>
-          </a:xfrm>
-          <a:prstGeom prst="rect">
-            <a:avLst/>
-          </a:prstGeom>
-          <a:noFill/>
-          <a:ln>
-            <a:noFill/>
-          </a:ln>
-          <a:effectLst/>
-          <a:extLst>
-            <a:ext uri="{909E8E84-426E-40dd-AFC4-6F175D3DCCD1}">
-              <a14:hiddenFill xmlns:a14="http://schemas.microsoft.com/office/drawing/2010/main" xmlns="">
-                <a:solidFill>
-                  <a:schemeClr val="accent1"/>
-                </a:solidFill>
-              </a14:hiddenFill>
-            </a:ext>
-            <a:ext uri="{91240B29-F687-4f45-9708-019B960494DF}">
-              <a14:hiddenLine xmlns:a14="http://schemas.microsoft.com/office/drawing/2010/main" xmlns="" w="9525">
-                <a:solidFill>
-                  <a:schemeClr val="tx1"/>
-                </a:solidFill>
-                <a:miter lim="800000"/>
-                <a:headEnd/>
-                <a:tailEnd/>
-              </a14:hiddenLine>
-            </a:ext>
-            <a:ext uri="{AF507438-7753-43e0-B8FC-AC1667EBCBE1}">
-              <a14:hiddenEffects xmlns:a14="http://schemas.microsoft.com/office/drawing/2010/main" xmlns="">
-                <a:effectLst>
-                  <a:outerShdw blurRad="63500" dist="38099" dir="2700000" algn="ctr" rotWithShape="0">
-                    <a:schemeClr val="bg2">
-                      <a:alpha val="74998"/>
-                    </a:schemeClr>
-                  </a:outerShdw>
-                </a:effectLst>
-              </a14:hiddenEffects>
-            </a:ext>
-          </a:extLst>
-        </p:spPr>
-        <p:txBody>
-          <a:bodyPr vert="horz" wrap="none" lIns="91440" tIns="45720" rIns="91440" bIns="45720" numCol="1" anchor="ctr" anchorCtr="0" compatLnSpc="1">
-            <a:prstTxWarp prst="textNoShape">
-              <a:avLst/>
-            </a:prstTxWarp>
-            <a:spAutoFit/>
-          </a:bodyPr>
-          <a:lstStyle/>
-          <a:p>
-            <a:pPr marL="0" marR="0" lvl="0" indent="0" algn="l" defTabSz="914400" rtl="0" eaLnBrk="0" fontAlgn="base" latinLnBrk="0" hangingPunct="0">
-              <a:lnSpc>
-                <a:spcPct val="100000"/>
-              </a:lnSpc>
-              <a:spcBef>
-                <a:spcPct val="0"/>
-              </a:spcBef>
-              <a:spcAft>
-                <a:spcPct val="0"/>
-              </a:spcAft>
-              <a:buClrTx/>
-              <a:buSzTx/>
-              <a:buFontTx/>
-              <a:buNone/>
-              <a:tabLst/>
-            </a:pPr>
-            <a:r>
-              <a:rPr kumimoji="0" lang="en-US" altLang="en-US" sz="1800" b="0" i="0" u="none" strike="noStrike" cap="none" normalizeH="0" baseline="0" dirty="0">
-                <a:ln>
-                  <a:noFill/>
-                </a:ln>
-                <a:solidFill>
-                  <a:schemeClr val="tx1"/>
-                </a:solidFill>
-                <a:effectLst/>
-                <a:latin typeface="Arial" charset="0"/>
-              </a:rPr>
-              <a:t>  </a:t>
-            </a:r>
-            <a:endParaRPr kumimoji="0" lang="en-US" altLang="en-US" sz="2200" b="0" i="0" u="none" strike="noStrike" cap="none" normalizeH="0" baseline="0" dirty="0">
-              <a:ln>
-                <a:noFill/>
-              </a:ln>
-              <a:solidFill>
-                <a:schemeClr val="tx1"/>
-              </a:solidFill>
-              <a:effectLst/>
-              <a:latin typeface="Arial" charset="0"/>
-            </a:endParaRPr>
-          </a:p>
-        </p:txBody>
-      </p:sp>
-      <p:pic>
-        <p:nvPicPr>
-          <p:cNvPr id="1030" name="Picture 6" descr="https://cdn.schd.ws/common/img/add-to-sched-lines.png"/>
-          <p:cNvPicPr>
-            <a:picLocks noChangeAspect="1" noChangeArrowheads="1"/>
-          </p:cNvPicPr>
-          <p:nvPr/>
-        </p:nvPicPr>
-        <p:blipFill>
-          <a:blip r:embed="rId2">
-            <a:extLst>
-              <a:ext uri="{28A0092B-C50C-407E-A947-70E740481C1C}">
-                <a14:useLocalDpi xmlns:a14="http://schemas.microsoft.com/office/drawing/2010/main" val="0"/>
-              </a:ext>
-            </a:extLst>
-          </a:blip>
-          <a:srcRect/>
-          <a:stretch>
-            <a:fillRect/>
-          </a:stretch>
-        </p:blipFill>
-        <p:spPr bwMode="auto">
-          <a:xfrm>
-            <a:off x="152400" y="152400"/>
-            <a:ext cx="361950" cy="361950"/>
-          </a:xfrm>
-          <a:prstGeom prst="rect">
-            <a:avLst/>
-          </a:prstGeom>
-          <a:noFill/>
-          <a:extLst>
-            <a:ext uri="{909E8E84-426E-40dd-AFC4-6F175D3DCCD1}">
-              <a14:hiddenFill xmlns:a14="http://schemas.microsoft.com/office/drawing/2010/main" xmlns="">
-                <a:solidFill>
-                  <a:srgbClr val="FFFFFF"/>
-                </a:solidFill>
-              </a14:hiddenFill>
-            </a:ext>
-          </a:extLst>
-        </p:spPr>
-      </p:pic>
-      <p:sp>
-        <p:nvSpPr>
-          <p:cNvPr id="7" name="Rectangle 7"/>
-          <p:cNvSpPr>
-            <a:spLocks noChangeArrowheads="1"/>
-          </p:cNvSpPr>
-          <p:nvPr/>
-        </p:nvSpPr>
-        <p:spPr bwMode="auto">
-          <a:xfrm>
-            <a:off x="304800" y="348734"/>
-            <a:ext cx="312906" cy="369332"/>
-          </a:xfrm>
-          <a:prstGeom prst="rect">
-            <a:avLst/>
-          </a:prstGeom>
-          <a:noFill/>
-          <a:ln>
-            <a:noFill/>
-          </a:ln>
-          <a:effectLst/>
-          <a:extLst>
-            <a:ext uri="{909E8E84-426E-40dd-AFC4-6F175D3DCCD1}">
-              <a14:hiddenFill xmlns:a14="http://schemas.microsoft.com/office/drawing/2010/main" xmlns="">
-                <a:solidFill>
-                  <a:schemeClr val="accent1"/>
-                </a:solidFill>
-              </a14:hiddenFill>
-            </a:ext>
-            <a:ext uri="{91240B29-F687-4f45-9708-019B960494DF}">
-              <a14:hiddenLine xmlns:a14="http://schemas.microsoft.com/office/drawing/2010/main" xmlns="" w="9525">
-                <a:solidFill>
-                  <a:schemeClr val="tx1"/>
-                </a:solidFill>
-                <a:miter lim="800000"/>
-                <a:headEnd/>
-                <a:tailEnd/>
-              </a14:hiddenLine>
-            </a:ext>
-            <a:ext uri="{AF507438-7753-43e0-B8FC-AC1667EBCBE1}">
-              <a14:hiddenEffects xmlns:a14="http://schemas.microsoft.com/office/drawing/2010/main" xmlns="">
-                <a:effectLst>
-                  <a:outerShdw blurRad="63500" dist="38099" dir="2700000" algn="ctr" rotWithShape="0">
-                    <a:schemeClr val="bg2">
-                      <a:alpha val="74998"/>
-                    </a:schemeClr>
-                  </a:outerShdw>
-                </a:effectLst>
-              </a14:hiddenEffects>
-            </a:ext>
-          </a:extLst>
-        </p:spPr>
-        <p:txBody>
-          <a:bodyPr vert="horz" wrap="none" lIns="91440" tIns="45720" rIns="91440" bIns="45720" numCol="1" anchor="ctr" anchorCtr="0" compatLnSpc="1">
-            <a:prstTxWarp prst="textNoShape">
-              <a:avLst/>
-            </a:prstTxWarp>
-            <a:spAutoFit/>
-          </a:bodyPr>
-          <a:lstStyle/>
-          <a:p>
-            <a:pPr marL="0" marR="0" lvl="0" indent="0" algn="l" defTabSz="914400" rtl="0" eaLnBrk="0" fontAlgn="base" latinLnBrk="0" hangingPunct="0">
-              <a:lnSpc>
-                <a:spcPct val="100000"/>
-              </a:lnSpc>
-              <a:spcBef>
-                <a:spcPct val="0"/>
-              </a:spcBef>
-              <a:spcAft>
-                <a:spcPct val="0"/>
-              </a:spcAft>
-              <a:buClrTx/>
-              <a:buSzTx/>
-              <a:buFontTx/>
-              <a:buNone/>
-              <a:tabLst/>
-            </a:pPr>
-            <a:r>
-              <a:rPr kumimoji="0" lang="en-US" altLang="en-US" sz="1800" b="0" i="0" u="none" strike="noStrike" cap="none" normalizeH="0" baseline="0" dirty="0">
-                <a:ln>
-                  <a:noFill/>
-                </a:ln>
-                <a:solidFill>
-                  <a:schemeClr val="tx1"/>
-                </a:solidFill>
-                <a:effectLst/>
-                <a:latin typeface="Arial" charset="0"/>
-              </a:rPr>
-              <a:t>  </a:t>
-            </a:r>
-            <a:endParaRPr kumimoji="0" lang="en-US" altLang="en-US" sz="2200" b="0" i="0" u="none" strike="noStrike" cap="none" normalizeH="0" baseline="0" dirty="0">
-              <a:ln>
-                <a:noFill/>
-              </a:ln>
-              <a:solidFill>
-                <a:schemeClr val="tx1"/>
-              </a:solidFill>
-              <a:effectLst/>
-              <a:latin typeface="Arial" charset="0"/>
-            </a:endParaRPr>
-          </a:p>
-        </p:txBody>
-      </p:sp>
-      <p:pic>
-        <p:nvPicPr>
-          <p:cNvPr id="1032" name="Picture 8" descr="https://cdn.schd.ws/common/img/add-to-sched-lines.png"/>
-          <p:cNvPicPr>
-            <a:picLocks noChangeAspect="1" noChangeArrowheads="1"/>
-          </p:cNvPicPr>
-          <p:nvPr/>
-        </p:nvPicPr>
-        <p:blipFill>
-          <a:blip r:embed="rId2">
-            <a:extLst>
-              <a:ext uri="{28A0092B-C50C-407E-A947-70E740481C1C}">
-                <a14:useLocalDpi xmlns:a14="http://schemas.microsoft.com/office/drawing/2010/main" val="0"/>
-              </a:ext>
-            </a:extLst>
-          </a:blip>
-          <a:srcRect/>
-          <a:stretch>
-            <a:fillRect/>
-          </a:stretch>
-        </p:blipFill>
-        <p:spPr bwMode="auto">
-          <a:xfrm>
-            <a:off x="304800" y="304800"/>
-            <a:ext cx="361950" cy="361950"/>
-          </a:xfrm>
-          <a:prstGeom prst="rect">
-            <a:avLst/>
-          </a:prstGeom>
-          <a:noFill/>
-          <a:extLst>
-            <a:ext uri="{909E8E84-426E-40dd-AFC4-6F175D3DCCD1}">
-              <a14:hiddenFill xmlns:a14="http://schemas.microsoft.com/office/drawing/2010/main" xmlns="">
-                <a:solidFill>
-                  <a:srgbClr val="FFFFFF"/>
-                </a:solidFill>
-              </a14:hiddenFill>
-            </a:ext>
-          </a:extLst>
-        </p:spPr>
-      </p:pic>
-      <p:sp>
-        <p:nvSpPr>
-          <p:cNvPr id="8" name="Rectangle 9"/>
-          <p:cNvSpPr>
-            <a:spLocks noChangeArrowheads="1"/>
-          </p:cNvSpPr>
-          <p:nvPr/>
-        </p:nvSpPr>
-        <p:spPr bwMode="auto">
-          <a:xfrm>
-            <a:off x="457200" y="501134"/>
-            <a:ext cx="312906" cy="369332"/>
-          </a:xfrm>
-          <a:prstGeom prst="rect">
-            <a:avLst/>
-          </a:prstGeom>
-          <a:noFill/>
-          <a:ln>
-            <a:noFill/>
-          </a:ln>
-          <a:effectLst/>
-          <a:extLst>
-            <a:ext uri="{909E8E84-426E-40dd-AFC4-6F175D3DCCD1}">
-              <a14:hiddenFill xmlns:a14="http://schemas.microsoft.com/office/drawing/2010/main" xmlns="">
-                <a:solidFill>
-                  <a:schemeClr val="accent1"/>
-                </a:solidFill>
-              </a14:hiddenFill>
-            </a:ext>
-            <a:ext uri="{91240B29-F687-4f45-9708-019B960494DF}">
-              <a14:hiddenLine xmlns:a14="http://schemas.microsoft.com/office/drawing/2010/main" xmlns="" w="9525">
-                <a:solidFill>
-                  <a:schemeClr val="tx1"/>
-                </a:solidFill>
-                <a:miter lim="800000"/>
-                <a:headEnd/>
-                <a:tailEnd/>
-              </a14:hiddenLine>
-            </a:ext>
-            <a:ext uri="{AF507438-7753-43e0-B8FC-AC1667EBCBE1}">
-              <a14:hiddenEffects xmlns:a14="http://schemas.microsoft.com/office/drawing/2010/main" xmlns="">
-                <a:effectLst>
-                  <a:outerShdw blurRad="63500" dist="38099" dir="2700000" algn="ctr" rotWithShape="0">
-                    <a:schemeClr val="bg2">
-                      <a:alpha val="74998"/>
-                    </a:schemeClr>
-                  </a:outerShdw>
-                </a:effectLst>
-              </a14:hiddenEffects>
-            </a:ext>
-          </a:extLst>
-        </p:spPr>
-        <p:txBody>
-          <a:bodyPr vert="horz" wrap="none" lIns="91440" tIns="45720" rIns="91440" bIns="45720" numCol="1" anchor="ctr" anchorCtr="0" compatLnSpc="1">
-            <a:prstTxWarp prst="textNoShape">
-              <a:avLst/>
-            </a:prstTxWarp>
-            <a:spAutoFit/>
-          </a:bodyPr>
-          <a:lstStyle/>
-          <a:p>
-            <a:pPr marL="0" marR="0" lvl="0" indent="0" algn="l" defTabSz="914400" rtl="0" eaLnBrk="0" fontAlgn="base" latinLnBrk="0" hangingPunct="0">
-              <a:lnSpc>
-                <a:spcPct val="100000"/>
-              </a:lnSpc>
-              <a:spcBef>
-                <a:spcPct val="0"/>
-              </a:spcBef>
-              <a:spcAft>
-                <a:spcPct val="0"/>
-              </a:spcAft>
-              <a:buClrTx/>
-              <a:buSzTx/>
-              <a:buFontTx/>
-              <a:buNone/>
-              <a:tabLst/>
-            </a:pPr>
-            <a:r>
-              <a:rPr kumimoji="0" lang="en-US" altLang="en-US" sz="1800" b="0" i="0" u="none" strike="noStrike" cap="none" normalizeH="0" baseline="0" dirty="0">
-                <a:ln>
-                  <a:noFill/>
-                </a:ln>
-                <a:solidFill>
-                  <a:schemeClr val="tx1"/>
-                </a:solidFill>
-                <a:effectLst/>
-                <a:latin typeface="Arial" charset="0"/>
-              </a:rPr>
-              <a:t>  </a:t>
-            </a:r>
-            <a:endParaRPr kumimoji="0" lang="en-US" altLang="en-US" sz="2200" b="0" i="0" u="none" strike="noStrike" cap="none" normalizeH="0" baseline="0" dirty="0">
-              <a:ln>
-                <a:noFill/>
-              </a:ln>
-              <a:solidFill>
-                <a:schemeClr val="tx1"/>
-              </a:solidFill>
-              <a:effectLst/>
-              <a:latin typeface="Arial" charset="0"/>
-            </a:endParaRPr>
-          </a:p>
-        </p:txBody>
-      </p:sp>
-      <p:pic>
-        <p:nvPicPr>
-          <p:cNvPr id="1034" name="Picture 10" descr="https://cdn.schd.ws/common/img/add-to-sched-lines.png"/>
-          <p:cNvPicPr>
-            <a:picLocks noChangeAspect="1" noChangeArrowheads="1"/>
-          </p:cNvPicPr>
-          <p:nvPr/>
-        </p:nvPicPr>
-        <p:blipFill>
-          <a:blip r:embed="rId2">
-            <a:extLst>
-              <a:ext uri="{28A0092B-C50C-407E-A947-70E740481C1C}">
-                <a14:useLocalDpi xmlns:a14="http://schemas.microsoft.com/office/drawing/2010/main" val="0"/>
-              </a:ext>
-            </a:extLst>
-          </a:blip>
-          <a:srcRect/>
-          <a:stretch>
-            <a:fillRect/>
-          </a:stretch>
-        </p:blipFill>
-        <p:spPr bwMode="auto">
-          <a:xfrm>
-            <a:off x="457200" y="457200"/>
-            <a:ext cx="361950" cy="361950"/>
-          </a:xfrm>
-          <a:prstGeom prst="rect">
-            <a:avLst/>
-          </a:prstGeom>
-          <a:noFill/>
-          <a:extLst>
-            <a:ext uri="{909E8E84-426E-40dd-AFC4-6F175D3DCCD1}">
-              <a14:hiddenFill xmlns:a14="http://schemas.microsoft.com/office/drawing/2010/main" xmlns="">
+            <a:ext uri="{909E8E84-426E-40DD-AFC4-6F175D3DCCD1}">
+              <a14:hiddenFill xmlns:a14="http://schemas.microsoft.com/office/drawing/2010/main">
                 <a:solidFill>
                   <a:srgbClr val="FFFFFF"/>
                 </a:solidFill>
@@ -5071,7 +4960,7 @@
     </p:spTree>
     <p:extLst>
       <p:ext uri="{BB962C8B-B14F-4D97-AF65-F5344CB8AC3E}">
-        <p14:creationId xmlns:p14="http://schemas.microsoft.com/office/powerpoint/2010/main" val="838142675"/>
+        <p14:creationId xmlns:p14="http://schemas.microsoft.com/office/powerpoint/2010/main" val="4070640772"/>
       </p:ext>
     </p:extLst>
   </p:cSld>
@@ -5100,134 +4989,88 @@
       </p:grpSpPr>
       <p:sp>
         <p:nvSpPr>
-          <p:cNvPr id="2" name="Title 1"/>
-          <p:cNvSpPr>
-            <a:spLocks noGrp="1"/>
-          </p:cNvSpPr>
-          <p:nvPr>
-            <p:ph type="title"/>
-          </p:nvPr>
-        </p:nvSpPr>
+          <p:cNvPr id="2" name="Title 1">
+            <a:extLst>
+              <a:ext uri="{FF2B5EF4-FFF2-40B4-BE49-F238E27FC236}">
+                <a16:creationId xmlns:a16="http://schemas.microsoft.com/office/drawing/2014/main" id="{D3A3F47C-4481-904E-B149-D9D30EDD463E}"/>
+              </a:ext>
+            </a:extLst>
+          </p:cNvPr>
+          <p:cNvSpPr>
+            <a:spLocks noGrp="1"/>
+          </p:cNvSpPr>
+          <p:nvPr>
+            <p:ph type="ctrTitle"/>
+          </p:nvPr>
+        </p:nvSpPr>
+        <p:spPr/>
+        <p:txBody>
+          <a:bodyPr/>
+          <a:lstStyle/>
+          <a:p>
+            <a:endParaRPr lang="en-US"/>
+          </a:p>
+        </p:txBody>
+      </p:sp>
+      <p:sp>
+        <p:nvSpPr>
+          <p:cNvPr id="3" name="Subtitle 2">
+            <a:extLst>
+              <a:ext uri="{FF2B5EF4-FFF2-40B4-BE49-F238E27FC236}">
+                <a16:creationId xmlns:a16="http://schemas.microsoft.com/office/drawing/2014/main" id="{C97D1376-597E-8A40-B7E9-3B85A3AC4582}"/>
+              </a:ext>
+            </a:extLst>
+          </p:cNvPr>
+          <p:cNvSpPr>
+            <a:spLocks noGrp="1"/>
+          </p:cNvSpPr>
+          <p:nvPr>
+            <p:ph type="subTitle" idx="1"/>
+          </p:nvPr>
+        </p:nvSpPr>
+        <p:spPr/>
+        <p:txBody>
+          <a:bodyPr/>
+          <a:lstStyle/>
+          <a:p>
+            <a:endParaRPr lang="en-US"/>
+          </a:p>
+        </p:txBody>
+      </p:sp>
+      <p:pic>
+        <p:nvPicPr>
+          <p:cNvPr id="7" name="Picture 6">
+            <a:extLst>
+              <a:ext uri="{FF2B5EF4-FFF2-40B4-BE49-F238E27FC236}">
+                <a16:creationId xmlns:a16="http://schemas.microsoft.com/office/drawing/2014/main" id="{EECC93BB-A351-8243-9F26-820D728CE15D}"/>
+              </a:ext>
+            </a:extLst>
+          </p:cNvPr>
+          <p:cNvPicPr>
+            <a:picLocks noChangeAspect="1"/>
+          </p:cNvPicPr>
+          <p:nvPr/>
+        </p:nvPicPr>
+        <p:blipFill>
+          <a:blip r:embed="rId2"/>
+          <a:stretch>
+            <a:fillRect/>
+          </a:stretch>
+        </p:blipFill>
         <p:spPr>
           <a:xfrm>
-            <a:off x="457200" y="190143"/>
-            <a:ext cx="8229600" cy="1143000"/>
-          </a:xfrm>
-        </p:spPr>
-        <p:txBody>
-          <a:bodyPr>
-            <a:normAutofit/>
-          </a:bodyPr>
-          <a:lstStyle/>
-          <a:p>
-            <a:r>
-              <a:rPr lang="en-US" dirty="0">
-                <a:solidFill>
-                  <a:srgbClr val="67BAF6"/>
-                </a:solidFill>
-              </a:rPr>
-              <a:t>Acknowledgements</a:t>
-            </a:r>
-          </a:p>
-        </p:txBody>
-      </p:sp>
-      <p:sp>
-        <p:nvSpPr>
-          <p:cNvPr id="3" name="TextBox 2"/>
-          <p:cNvSpPr txBox="1"/>
-          <p:nvPr/>
-        </p:nvSpPr>
-        <p:spPr>
-          <a:xfrm>
-            <a:off x="378617" y="1614553"/>
-            <a:ext cx="8308183" cy="4832093"/>
+            <a:off x="0" y="0"/>
+            <a:ext cx="9144000" cy="6858000"/>
           </a:xfrm>
           <a:prstGeom prst="rect">
             <a:avLst/>
           </a:prstGeom>
-          <a:noFill/>
         </p:spPr>
-        <p:txBody>
-          <a:bodyPr wrap="square" rtlCol="0">
-            <a:spAutoFit/>
-          </a:bodyPr>
-          <a:lstStyle/>
-          <a:p>
-            <a:r>
-              <a:rPr lang="en-US" sz="2800" dirty="0"/>
-              <a:t>We are grateful to ESIP for their generous financial and logistical support, including </a:t>
-            </a:r>
-          </a:p>
-          <a:p>
-            <a:pPr marL="457200" indent="-457200">
-              <a:buFont typeface="Arial"/>
-              <a:buChar char="•"/>
-            </a:pPr>
-            <a:r>
-              <a:rPr lang="en-US" sz="2800" dirty="0"/>
-              <a:t>Coffee breaks at 10am and 2:15pm</a:t>
-            </a:r>
-          </a:p>
-          <a:p>
-            <a:pPr marL="457200" indent="-457200">
-              <a:buFont typeface="Arial"/>
-              <a:buChar char="•"/>
-            </a:pPr>
-            <a:r>
-              <a:rPr lang="en-US" sz="2800" dirty="0"/>
-              <a:t>Boxed lunch</a:t>
-            </a:r>
-          </a:p>
-          <a:p>
-            <a:pPr marL="457200" indent="-457200">
-              <a:buFont typeface="Arial"/>
-              <a:buChar char="•"/>
-            </a:pPr>
-            <a:r>
-              <a:rPr lang="en-US" sz="2800" dirty="0"/>
-              <a:t>Venue and technical accommodations</a:t>
-            </a:r>
-          </a:p>
-          <a:p>
-            <a:r>
-              <a:rPr lang="en-US" sz="2800" dirty="0"/>
-              <a:t>Annie and Dan Keyes, you’re the best!  </a:t>
-            </a:r>
-          </a:p>
-          <a:p>
-            <a:endParaRPr lang="en-US" sz="2800" dirty="0"/>
-          </a:p>
-          <a:p>
-            <a:r>
-              <a:rPr lang="en-US" sz="2800" dirty="0"/>
-              <a:t>If you’re not already a member, please consider joining the ESIP Semantic Technology Committee</a:t>
-            </a:r>
-          </a:p>
-          <a:p>
-            <a:r>
-              <a:rPr lang="en-US" sz="2800" dirty="0">
-                <a:solidFill>
-                  <a:srgbClr val="0000FF"/>
-                </a:solidFill>
-                <a:hlinkClick r:id="rId2"/>
-              </a:rPr>
-              <a:t>http://wiki.esipfed.org/index.php/Semantic_Technologies</a:t>
-            </a:r>
-            <a:r>
-              <a:rPr lang="en-US" sz="2800" dirty="0">
-                <a:solidFill>
-                  <a:srgbClr val="0000FF"/>
-                </a:solidFill>
-              </a:rPr>
-              <a:t> </a:t>
-            </a:r>
-          </a:p>
-        </p:txBody>
-      </p:sp>
+      </p:pic>
     </p:spTree>
     <p:extLst>
       <p:ext uri="{BB962C8B-B14F-4D97-AF65-F5344CB8AC3E}">
-        <p14:creationId xmlns:p14="http://schemas.microsoft.com/office/powerpoint/2010/main" val="4268592798"/>
+        <p14:creationId xmlns:p14="http://schemas.microsoft.com/office/powerpoint/2010/main" val="1856693024"/>
       </p:ext>
     </p:extLst>
   </p:cSld>
@@ -5282,23 +5125,7 @@
                   <a:srgbClr val="67BAF6"/>
                 </a:solidFill>
               </a:rPr>
-              <a:t>Finally</a:t>
-            </a:r>
-            <a:r>
-              <a:rPr lang="is-IS" dirty="0">
-                <a:solidFill>
-                  <a:srgbClr val="67BAF6"/>
-                </a:solidFill>
-              </a:rPr>
-              <a:t>… </a:t>
-            </a:r>
-            <a:r>
-              <a:rPr lang="en-US" dirty="0">
-                <a:solidFill>
-                  <a:srgbClr val="67BAF6"/>
-                </a:solidFill>
-              </a:rPr>
-              <a:t>Feedback</a:t>
+              <a:t>Acknowledgements</a:t>
             </a:r>
           </a:p>
         </p:txBody>
@@ -5311,8 +5138,8 @@
         </p:nvSpPr>
         <p:spPr>
           <a:xfrm>
-            <a:off x="378617" y="1614553"/>
-            <a:ext cx="8482354" cy="4832092"/>
+            <a:off x="378617" y="1333143"/>
+            <a:ext cx="8308183" cy="5201424"/>
           </a:xfrm>
           <a:prstGeom prst="rect">
             <a:avLst/>
@@ -5325,44 +5152,96 @@
           </a:bodyPr>
           <a:lstStyle/>
           <a:p>
-            <a:pPr algn="just"/>
             <a:r>
               <a:rPr lang="en-US" sz="2800" dirty="0"/>
-              <a:t>Feedback on todays content is extremely valuable. The aim is to continue the </a:t>
+              <a:t>We are grateful to ESIP for their generous financial and logistical support, including </a:t>
+            </a:r>
+          </a:p>
+          <a:p>
+            <a:pPr marL="457189" indent="-457189">
+              <a:buFont typeface="Arial"/>
+              <a:buChar char="•"/>
+            </a:pPr>
+            <a:r>
+              <a:rPr lang="en-US" sz="2800" dirty="0"/>
+              <a:t>Coffee breaks </a:t>
+            </a:r>
+          </a:p>
+          <a:p>
+            <a:pPr marL="457189" indent="-457189">
+              <a:buFont typeface="Arial"/>
+              <a:buChar char="•"/>
+            </a:pPr>
+            <a:r>
+              <a:rPr lang="en-US" sz="2800" dirty="0"/>
+              <a:t>Boxed lunch</a:t>
+            </a:r>
+          </a:p>
+          <a:p>
+            <a:pPr marL="457189" indent="-457189">
+              <a:buFont typeface="Arial"/>
+              <a:buChar char="•"/>
+            </a:pPr>
+            <a:r>
+              <a:rPr lang="en-US" sz="2800" dirty="0"/>
+              <a:t>Venue and technical accommodations</a:t>
+            </a:r>
+          </a:p>
+          <a:p>
+            <a:r>
+              <a:rPr lang="en-US" sz="2800" dirty="0"/>
+              <a:t>Dan Keyes (AV </a:t>
             </a:r>
             <a:r>
               <a:rPr lang="en-US" sz="2800" dirty="0" err="1"/>
-              <a:t>Geosemantics</a:t>
+              <a:t>Technitian</a:t>
             </a:r>
             <a:r>
               <a:rPr lang="en-US" sz="2800" dirty="0"/>
-              <a:t> Symposium as a co-located, pre-ESIP Winter event for the foreseeable future. Without your criticisms we cannot make the event useful and relevant for attendees.</a:t>
-            </a:r>
-          </a:p>
-          <a:p>
-            <a:pPr algn="just"/>
+              <a:t>), Matt </a:t>
+            </a:r>
+            <a:r>
+              <a:rPr lang="en-US" sz="2800" dirty="0" err="1"/>
+              <a:t>Burdetsky</a:t>
+            </a:r>
+            <a:r>
+              <a:rPr lang="en-US" sz="2800" dirty="0"/>
+              <a:t> (food and drink arrangements), you’re the best!  </a:t>
+            </a:r>
+          </a:p>
+          <a:p>
+            <a:r>
+              <a:rPr lang="en-US" sz="2800"/>
+              <a:t>Guest Presenters</a:t>
+            </a:r>
             <a:endParaRPr lang="en-US" sz="2800" dirty="0"/>
           </a:p>
           <a:p>
-            <a:pPr algn="just"/>
+            <a:endParaRPr lang="en-US" sz="2800" dirty="0"/>
+          </a:p>
+          <a:p>
             <a:r>
               <a:rPr lang="en-US" sz="2800" dirty="0"/>
-              <a:t>Please give your feedback on SCHED - under </a:t>
-            </a:r>
-            <a:r>
-              <a:rPr lang="en-US" sz="2800" b="1" i="1" dirty="0"/>
-              <a:t>What did you think?</a:t>
-            </a:r>
-          </a:p>
-          <a:p>
-            <a:pPr algn="just"/>
-            <a:endParaRPr lang="en-US" sz="2800" b="1" i="1" dirty="0"/>
-          </a:p>
-          <a:p>
-            <a:pPr algn="just"/>
-            <a:r>
-              <a:rPr lang="en-US" sz="2800" dirty="0"/>
-              <a:t>Additionally, please speak or email Beth+/Lewis</a:t>
+              <a:t>If you’re not already a member, please consider joining the ESIP Semantic Technology Committee</a:t>
+            </a:r>
+          </a:p>
+          <a:p>
+            <a:r>
+              <a:rPr lang="en-US" sz="2400" dirty="0">
+                <a:solidFill>
+                  <a:srgbClr val="0000FF"/>
+                </a:solidFill>
+                <a:hlinkClick r:id="rId2"/>
+              </a:rPr>
+              <a:t>http://wiki.esipfed.org/index.php/Semantic_Technologies</a:t>
+            </a:r>
+            <a:r>
+              <a:rPr lang="en-US" sz="2400" dirty="0">
+                <a:solidFill>
+                  <a:srgbClr val="0000FF"/>
+                </a:solidFill>
+              </a:rPr>
+              <a:t> </a:t>
             </a:r>
           </a:p>
         </p:txBody>
@@ -5370,7 +5249,7 @@
     </p:spTree>
     <p:extLst>
       <p:ext uri="{BB962C8B-B14F-4D97-AF65-F5344CB8AC3E}">
-        <p14:creationId xmlns:p14="http://schemas.microsoft.com/office/powerpoint/2010/main" val="1190424382"/>
+        <p14:creationId xmlns:p14="http://schemas.microsoft.com/office/powerpoint/2010/main" val="4268592798"/>
       </p:ext>
     </p:extLst>
   </p:cSld>
